--- a/final-group-presentation.pptx
+++ b/final-group-presentation.pptx
@@ -5,24 +5,25 @@
     <p:sldMasterId id="2147483687" r:id="rId1"/>
   </p:sldMasterIdLst>
   <p:notesMasterIdLst>
-    <p:notesMasterId r:id="rId17"/>
+    <p:notesMasterId r:id="rId18"/>
   </p:notesMasterIdLst>
   <p:sldIdLst>
     <p:sldId id="256" r:id="rId2"/>
-    <p:sldId id="297" r:id="rId3"/>
-    <p:sldId id="281" r:id="rId4"/>
-    <p:sldId id="271" r:id="rId5"/>
-    <p:sldId id="311" r:id="rId6"/>
-    <p:sldId id="312" r:id="rId7"/>
-    <p:sldId id="318" r:id="rId8"/>
-    <p:sldId id="314" r:id="rId9"/>
-    <p:sldId id="319" r:id="rId10"/>
-    <p:sldId id="323" r:id="rId11"/>
-    <p:sldId id="315" r:id="rId12"/>
-    <p:sldId id="322" r:id="rId13"/>
-    <p:sldId id="305" r:id="rId14"/>
-    <p:sldId id="302" r:id="rId15"/>
-    <p:sldId id="303" r:id="rId16"/>
+    <p:sldId id="324" r:id="rId3"/>
+    <p:sldId id="297" r:id="rId4"/>
+    <p:sldId id="281" r:id="rId5"/>
+    <p:sldId id="271" r:id="rId6"/>
+    <p:sldId id="311" r:id="rId7"/>
+    <p:sldId id="312" r:id="rId8"/>
+    <p:sldId id="318" r:id="rId9"/>
+    <p:sldId id="314" r:id="rId10"/>
+    <p:sldId id="319" r:id="rId11"/>
+    <p:sldId id="323" r:id="rId12"/>
+    <p:sldId id="315" r:id="rId13"/>
+    <p:sldId id="322" r:id="rId14"/>
+    <p:sldId id="305" r:id="rId15"/>
+    <p:sldId id="302" r:id="rId16"/>
+    <p:sldId id="303" r:id="rId17"/>
   </p:sldIdLst>
   <p:sldSz cx="12192000" cy="6858000"/>
   <p:notesSz cx="6858000" cy="9144000"/>
@@ -555,7 +556,7 @@
           <a:p>
             <a:fld id="{823AE328-B0EC-5C4A-871E-623B73809561}" type="slidenum">
               <a:rPr lang="en-US" smtClean="0"/>
-              <a:t>3</a:t>
+              <a:t>4</a:t>
             </a:fld>
             <a:endParaRPr lang="en-US"/>
           </a:p>
@@ -642,7 +643,7 @@
           <a:p>
             <a:fld id="{823AE328-B0EC-5C4A-871E-623B73809561}" type="slidenum">
               <a:rPr lang="en-US" smtClean="0"/>
-              <a:t>4</a:t>
+              <a:t>5</a:t>
             </a:fld>
             <a:endParaRPr lang="en-US"/>
           </a:p>
@@ -729,7 +730,7 @@
           <a:p>
             <a:fld id="{823AE328-B0EC-5C4A-871E-623B73809561}" type="slidenum">
               <a:rPr lang="en-US" smtClean="0"/>
-              <a:t>7</a:t>
+              <a:t>8</a:t>
             </a:fld>
             <a:endParaRPr lang="en-US"/>
           </a:p>
@@ -4112,6 +4113,1470 @@
           <p:cNvPr id="2" name="Title 1">
             <a:extLst>
               <a:ext uri="{FF2B5EF4-FFF2-40B4-BE49-F238E27FC236}">
+                <a16:creationId xmlns:a16="http://schemas.microsoft.com/office/drawing/2014/main" id="{185E4063-873E-DC49-B1C2-B038D60351C8}"/>
+              </a:ext>
+            </a:extLst>
+          </p:cNvPr>
+          <p:cNvSpPr>
+            <a:spLocks noGrp="1"/>
+          </p:cNvSpPr>
+          <p:nvPr>
+            <p:ph type="title"/>
+          </p:nvPr>
+        </p:nvSpPr>
+        <p:spPr/>
+        <p:txBody>
+          <a:bodyPr/>
+          <a:lstStyle/>
+          <a:p>
+            <a:r>
+              <a:rPr lang="en-US" dirty="0"/>
+              <a:t>Recession-Based Words: GFC Sentiment</a:t>
+            </a:r>
+          </a:p>
+        </p:txBody>
+      </p:sp>
+      <p:graphicFrame>
+        <p:nvGraphicFramePr>
+          <p:cNvPr id="5" name="Table 5">
+            <a:extLst>
+              <a:ext uri="{FF2B5EF4-FFF2-40B4-BE49-F238E27FC236}">
+                <a16:creationId xmlns:a16="http://schemas.microsoft.com/office/drawing/2014/main" id="{9D9A6B0A-E7D0-824C-9B3B-C1C36141A7CF}"/>
+              </a:ext>
+            </a:extLst>
+          </p:cNvPr>
+          <p:cNvGraphicFramePr>
+            <a:graphicFrameLocks noGrp="1"/>
+          </p:cNvGraphicFramePr>
+          <p:nvPr>
+            <p:ph idx="1"/>
+            <p:extLst>
+              <p:ext uri="{D42A27DB-BD31-4B8C-83A1-F6EECF244321}">
+                <p14:modId xmlns:p14="http://schemas.microsoft.com/office/powerpoint/2010/main" val="2710622404"/>
+              </p:ext>
+            </p:extLst>
+          </p:nvPr>
+        </p:nvGraphicFramePr>
+        <p:xfrm>
+          <a:off x="452438" y="1454150"/>
+          <a:ext cx="5233988" cy="2225040"/>
+        </p:xfrm>
+        <a:graphic>
+          <a:graphicData uri="http://schemas.openxmlformats.org/drawingml/2006/table">
+            <a:tbl>
+              <a:tblPr firstRow="1" bandRow="1">
+                <a:tableStyleId>{5C22544A-7EE6-4342-B048-85BDC9FD1C3A}</a:tableStyleId>
+              </a:tblPr>
+              <a:tblGrid>
+                <a:gridCol w="876300">
+                  <a:extLst>
+                    <a:ext uri="{9D8B030D-6E8A-4147-A177-3AD203B41FA5}">
+                      <a16:colId xmlns:a16="http://schemas.microsoft.com/office/drawing/2014/main" val="498346314"/>
+                    </a:ext>
+                  </a:extLst>
+                </a:gridCol>
+                <a:gridCol w="2171700">
+                  <a:extLst>
+                    <a:ext uri="{9D8B030D-6E8A-4147-A177-3AD203B41FA5}">
+                      <a16:colId xmlns:a16="http://schemas.microsoft.com/office/drawing/2014/main" val="376666212"/>
+                    </a:ext>
+                  </a:extLst>
+                </a:gridCol>
+                <a:gridCol w="2185988">
+                  <a:extLst>
+                    <a:ext uri="{9D8B030D-6E8A-4147-A177-3AD203B41FA5}">
+                      <a16:colId xmlns:a16="http://schemas.microsoft.com/office/drawing/2014/main" val="3549887309"/>
+                    </a:ext>
+                  </a:extLst>
+                </a:gridCol>
+              </a:tblGrid>
+              <a:tr h="370840">
+                <a:tc rowSpan="6">
+                  <a:txBody>
+                    <a:bodyPr/>
+                    <a:lstStyle/>
+                    <a:p>
+                      <a:endParaRPr lang="en-US" dirty="0"/>
+                    </a:p>
+                    <a:p>
+                      <a:endParaRPr lang="en-US" dirty="0"/>
+                    </a:p>
+                    <a:p>
+                      <a:endParaRPr lang="en-US" dirty="0"/>
+                    </a:p>
+                    <a:p>
+                      <a:endParaRPr lang="en-US" dirty="0"/>
+                    </a:p>
+                    <a:p>
+                      <a:r>
+                        <a:rPr lang="en-US" dirty="0"/>
+                        <a:t>2006</a:t>
+                      </a:r>
+                    </a:p>
+                  </a:txBody>
+                  <a:tcPr/>
+                </a:tc>
+                <a:tc>
+                  <a:txBody>
+                    <a:bodyPr/>
+                    <a:lstStyle/>
+                    <a:p>
+                      <a:r>
+                        <a:rPr lang="en-US" dirty="0"/>
+                        <a:t>Keywords</a:t>
+                      </a:r>
+                    </a:p>
+                  </a:txBody>
+                  <a:tcPr/>
+                </a:tc>
+                <a:tc>
+                  <a:txBody>
+                    <a:bodyPr/>
+                    <a:lstStyle/>
+                    <a:p>
+                      <a:r>
+                        <a:rPr lang="en-US" dirty="0"/>
+                        <a:t>Sentiment</a:t>
+                      </a:r>
+                    </a:p>
+                  </a:txBody>
+                  <a:tcPr/>
+                </a:tc>
+                <a:extLst>
+                  <a:ext uri="{0D108BD9-81ED-4DB2-BD59-A6C34878D82A}">
+                    <a16:rowId xmlns:a16="http://schemas.microsoft.com/office/drawing/2014/main" val="4007752883"/>
+                  </a:ext>
+                </a:extLst>
+              </a:tr>
+              <a:tr h="370840">
+                <a:tc vMerge="1">
+                  <a:txBody>
+                    <a:bodyPr/>
+                    <a:lstStyle/>
+                    <a:p>
+                      <a:endParaRPr lang="en-US" dirty="0"/>
+                    </a:p>
+                  </a:txBody>
+                  <a:tcPr/>
+                </a:tc>
+                <a:tc>
+                  <a:txBody>
+                    <a:bodyPr/>
+                    <a:lstStyle/>
+                    <a:p>
+                      <a:r>
+                        <a:rPr lang="en-US" dirty="0"/>
+                        <a:t>Economy</a:t>
+                      </a:r>
+                    </a:p>
+                  </a:txBody>
+                  <a:tcPr/>
+                </a:tc>
+                <a:tc>
+                  <a:txBody>
+                    <a:bodyPr/>
+                    <a:lstStyle/>
+                    <a:p>
+                      <a:r>
+                        <a:rPr lang="en-US" dirty="0"/>
+                        <a:t>Positive</a:t>
+                      </a:r>
+                    </a:p>
+                  </a:txBody>
+                  <a:tcPr/>
+                </a:tc>
+                <a:extLst>
+                  <a:ext uri="{0D108BD9-81ED-4DB2-BD59-A6C34878D82A}">
+                    <a16:rowId xmlns:a16="http://schemas.microsoft.com/office/drawing/2014/main" val="459712735"/>
+                  </a:ext>
+                </a:extLst>
+              </a:tr>
+              <a:tr h="370840">
+                <a:tc vMerge="1">
+                  <a:txBody>
+                    <a:bodyPr/>
+                    <a:lstStyle/>
+                    <a:p>
+                      <a:endParaRPr lang="en-US" dirty="0"/>
+                    </a:p>
+                  </a:txBody>
+                  <a:tcPr/>
+                </a:tc>
+                <a:tc>
+                  <a:txBody>
+                    <a:bodyPr/>
+                    <a:lstStyle/>
+                    <a:p>
+                      <a:r>
+                        <a:rPr lang="en-US" dirty="0"/>
+                        <a:t>Credit Market</a:t>
+                      </a:r>
+                    </a:p>
+                  </a:txBody>
+                  <a:tcPr/>
+                </a:tc>
+                <a:tc>
+                  <a:txBody>
+                    <a:bodyPr/>
+                    <a:lstStyle/>
+                    <a:p>
+                      <a:r>
+                        <a:rPr lang="en-US" dirty="0"/>
+                        <a:t>Positive</a:t>
+                      </a:r>
+                    </a:p>
+                  </a:txBody>
+                  <a:tcPr/>
+                </a:tc>
+                <a:extLst>
+                  <a:ext uri="{0D108BD9-81ED-4DB2-BD59-A6C34878D82A}">
+                    <a16:rowId xmlns:a16="http://schemas.microsoft.com/office/drawing/2014/main" val="405707731"/>
+                  </a:ext>
+                </a:extLst>
+              </a:tr>
+              <a:tr h="370840">
+                <a:tc vMerge="1">
+                  <a:txBody>
+                    <a:bodyPr/>
+                    <a:lstStyle/>
+                    <a:p>
+                      <a:endParaRPr lang="en-US" dirty="0"/>
+                    </a:p>
+                  </a:txBody>
+                  <a:tcPr/>
+                </a:tc>
+                <a:tc>
+                  <a:txBody>
+                    <a:bodyPr/>
+                    <a:lstStyle/>
+                    <a:p>
+                      <a:r>
+                        <a:rPr lang="en-US" dirty="0"/>
+                        <a:t>Mortgage-Lending</a:t>
+                      </a:r>
+                    </a:p>
+                  </a:txBody>
+                  <a:tcPr/>
+                </a:tc>
+                <a:tc>
+                  <a:txBody>
+                    <a:bodyPr/>
+                    <a:lstStyle/>
+                    <a:p>
+                      <a:r>
+                        <a:rPr lang="en-US" dirty="0"/>
+                        <a:t>Positive</a:t>
+                      </a:r>
+                    </a:p>
+                  </a:txBody>
+                  <a:tcPr/>
+                </a:tc>
+                <a:extLst>
+                  <a:ext uri="{0D108BD9-81ED-4DB2-BD59-A6C34878D82A}">
+                    <a16:rowId xmlns:a16="http://schemas.microsoft.com/office/drawing/2014/main" val="3595946194"/>
+                  </a:ext>
+                </a:extLst>
+              </a:tr>
+              <a:tr h="370840">
+                <a:tc vMerge="1">
+                  <a:txBody>
+                    <a:bodyPr/>
+                    <a:lstStyle/>
+                    <a:p>
+                      <a:endParaRPr lang="en-US" dirty="0"/>
+                    </a:p>
+                  </a:txBody>
+                  <a:tcPr/>
+                </a:tc>
+                <a:tc>
+                  <a:txBody>
+                    <a:bodyPr/>
+                    <a:lstStyle/>
+                    <a:p>
+                      <a:r>
+                        <a:rPr lang="en-US" dirty="0"/>
+                        <a:t>Housing Market</a:t>
+                      </a:r>
+                    </a:p>
+                  </a:txBody>
+                  <a:tcPr/>
+                </a:tc>
+                <a:tc>
+                  <a:txBody>
+                    <a:bodyPr/>
+                    <a:lstStyle/>
+                    <a:p>
+                      <a:r>
+                        <a:rPr lang="en-US" dirty="0"/>
+                        <a:t>Positive</a:t>
+                      </a:r>
+                    </a:p>
+                  </a:txBody>
+                  <a:tcPr/>
+                </a:tc>
+                <a:extLst>
+                  <a:ext uri="{0D108BD9-81ED-4DB2-BD59-A6C34878D82A}">
+                    <a16:rowId xmlns:a16="http://schemas.microsoft.com/office/drawing/2014/main" val="2954412642"/>
+                  </a:ext>
+                </a:extLst>
+              </a:tr>
+              <a:tr h="370840">
+                <a:tc vMerge="1">
+                  <a:txBody>
+                    <a:bodyPr/>
+                    <a:lstStyle/>
+                    <a:p>
+                      <a:endParaRPr lang="en-US" dirty="0"/>
+                    </a:p>
+                  </a:txBody>
+                  <a:tcPr/>
+                </a:tc>
+                <a:tc>
+                  <a:txBody>
+                    <a:bodyPr/>
+                    <a:lstStyle/>
+                    <a:p>
+                      <a:r>
+                        <a:rPr lang="en-US" dirty="0"/>
+                        <a:t>Bear Sterns</a:t>
+                      </a:r>
+                    </a:p>
+                  </a:txBody>
+                  <a:tcPr/>
+                </a:tc>
+                <a:tc>
+                  <a:txBody>
+                    <a:bodyPr/>
+                    <a:lstStyle/>
+                    <a:p>
+                      <a:r>
+                        <a:rPr lang="en-US" dirty="0"/>
+                        <a:t>Positive</a:t>
+                      </a:r>
+                    </a:p>
+                  </a:txBody>
+                  <a:tcPr/>
+                </a:tc>
+                <a:extLst>
+                  <a:ext uri="{0D108BD9-81ED-4DB2-BD59-A6C34878D82A}">
+                    <a16:rowId xmlns:a16="http://schemas.microsoft.com/office/drawing/2014/main" val="792250461"/>
+                  </a:ext>
+                </a:extLst>
+              </a:tr>
+            </a:tbl>
+          </a:graphicData>
+        </a:graphic>
+      </p:graphicFrame>
+      <p:graphicFrame>
+        <p:nvGraphicFramePr>
+          <p:cNvPr id="6" name="Table 5">
+            <a:extLst>
+              <a:ext uri="{FF2B5EF4-FFF2-40B4-BE49-F238E27FC236}">
+                <a16:creationId xmlns:a16="http://schemas.microsoft.com/office/drawing/2014/main" id="{540DA928-6F9B-344C-A82F-D3D7244E4D4C}"/>
+              </a:ext>
+            </a:extLst>
+          </p:cNvPr>
+          <p:cNvGraphicFramePr>
+            <a:graphicFrameLocks/>
+          </p:cNvGraphicFramePr>
+          <p:nvPr>
+            <p:extLst>
+              <p:ext uri="{D42A27DB-BD31-4B8C-83A1-F6EECF244321}">
+                <p14:modId xmlns:p14="http://schemas.microsoft.com/office/powerpoint/2010/main" val="257066533"/>
+              </p:ext>
+            </p:extLst>
+          </p:nvPr>
+        </p:nvGraphicFramePr>
+        <p:xfrm>
+          <a:off x="452438" y="3655695"/>
+          <a:ext cx="5233988" cy="2219960"/>
+        </p:xfrm>
+        <a:graphic>
+          <a:graphicData uri="http://schemas.openxmlformats.org/drawingml/2006/table">
+            <a:tbl>
+              <a:tblPr firstRow="1" bandRow="1">
+                <a:tableStyleId>{5C22544A-7EE6-4342-B048-85BDC9FD1C3A}</a:tableStyleId>
+              </a:tblPr>
+              <a:tblGrid>
+                <a:gridCol w="876300">
+                  <a:extLst>
+                    <a:ext uri="{9D8B030D-6E8A-4147-A177-3AD203B41FA5}">
+                      <a16:colId xmlns:a16="http://schemas.microsoft.com/office/drawing/2014/main" val="498346314"/>
+                    </a:ext>
+                  </a:extLst>
+                </a:gridCol>
+                <a:gridCol w="2171700">
+                  <a:extLst>
+                    <a:ext uri="{9D8B030D-6E8A-4147-A177-3AD203B41FA5}">
+                      <a16:colId xmlns:a16="http://schemas.microsoft.com/office/drawing/2014/main" val="376666212"/>
+                    </a:ext>
+                  </a:extLst>
+                </a:gridCol>
+                <a:gridCol w="2185988">
+                  <a:extLst>
+                    <a:ext uri="{9D8B030D-6E8A-4147-A177-3AD203B41FA5}">
+                      <a16:colId xmlns:a16="http://schemas.microsoft.com/office/drawing/2014/main" val="3549887309"/>
+                    </a:ext>
+                  </a:extLst>
+                </a:gridCol>
+              </a:tblGrid>
+              <a:tr h="370840">
+                <a:tc rowSpan="6">
+                  <a:txBody>
+                    <a:bodyPr/>
+                    <a:lstStyle/>
+                    <a:p>
+                      <a:endParaRPr lang="en-US" dirty="0"/>
+                    </a:p>
+                    <a:p>
+                      <a:endParaRPr lang="en-US" dirty="0"/>
+                    </a:p>
+                    <a:p>
+                      <a:endParaRPr lang="en-US" dirty="0"/>
+                    </a:p>
+                    <a:p>
+                      <a:endParaRPr lang="en-US" dirty="0"/>
+                    </a:p>
+                    <a:p>
+                      <a:r>
+                        <a:rPr lang="en-US" dirty="0"/>
+                        <a:t>2007</a:t>
+                      </a:r>
+                    </a:p>
+                  </a:txBody>
+                  <a:tcPr/>
+                </a:tc>
+                <a:tc>
+                  <a:txBody>
+                    <a:bodyPr/>
+                    <a:lstStyle/>
+                    <a:p>
+                      <a:r>
+                        <a:rPr lang="en-US" dirty="0"/>
+                        <a:t>Keywords</a:t>
+                      </a:r>
+                    </a:p>
+                  </a:txBody>
+                  <a:tcPr/>
+                </a:tc>
+                <a:tc>
+                  <a:txBody>
+                    <a:bodyPr/>
+                    <a:lstStyle/>
+                    <a:p>
+                      <a:r>
+                        <a:rPr lang="en-US" dirty="0"/>
+                        <a:t>Sentiment</a:t>
+                      </a:r>
+                    </a:p>
+                  </a:txBody>
+                  <a:tcPr/>
+                </a:tc>
+                <a:extLst>
+                  <a:ext uri="{0D108BD9-81ED-4DB2-BD59-A6C34878D82A}">
+                    <a16:rowId xmlns:a16="http://schemas.microsoft.com/office/drawing/2014/main" val="4007752883"/>
+                  </a:ext>
+                </a:extLst>
+              </a:tr>
+              <a:tr h="370840">
+                <a:tc vMerge="1">
+                  <a:txBody>
+                    <a:bodyPr/>
+                    <a:lstStyle/>
+                    <a:p>
+                      <a:endParaRPr lang="en-US" dirty="0"/>
+                    </a:p>
+                  </a:txBody>
+                  <a:tcPr/>
+                </a:tc>
+                <a:tc>
+                  <a:txBody>
+                    <a:bodyPr/>
+                    <a:lstStyle/>
+                    <a:p>
+                      <a:r>
+                        <a:rPr lang="en-US" dirty="0"/>
+                        <a:t>Economy</a:t>
+                      </a:r>
+                    </a:p>
+                  </a:txBody>
+                  <a:tcPr/>
+                </a:tc>
+                <a:tc>
+                  <a:txBody>
+                    <a:bodyPr/>
+                    <a:lstStyle/>
+                    <a:p>
+                      <a:r>
+                        <a:rPr lang="en-US" dirty="0"/>
+                        <a:t>Positive</a:t>
+                      </a:r>
+                    </a:p>
+                  </a:txBody>
+                  <a:tcPr/>
+                </a:tc>
+                <a:extLst>
+                  <a:ext uri="{0D108BD9-81ED-4DB2-BD59-A6C34878D82A}">
+                    <a16:rowId xmlns:a16="http://schemas.microsoft.com/office/drawing/2014/main" val="459712735"/>
+                  </a:ext>
+                </a:extLst>
+              </a:tr>
+              <a:tr h="370840">
+                <a:tc vMerge="1">
+                  <a:txBody>
+                    <a:bodyPr/>
+                    <a:lstStyle/>
+                    <a:p>
+                      <a:endParaRPr lang="en-US" dirty="0"/>
+                    </a:p>
+                  </a:txBody>
+                  <a:tcPr/>
+                </a:tc>
+                <a:tc>
+                  <a:txBody>
+                    <a:bodyPr/>
+                    <a:lstStyle/>
+                    <a:p>
+                      <a:r>
+                        <a:rPr lang="en-US" dirty="0"/>
+                        <a:t>Credit Market</a:t>
+                      </a:r>
+                    </a:p>
+                  </a:txBody>
+                  <a:tcPr/>
+                </a:tc>
+                <a:tc>
+                  <a:txBody>
+                    <a:bodyPr/>
+                    <a:lstStyle/>
+                    <a:p>
+                      <a:r>
+                        <a:rPr lang="en-US" dirty="0"/>
+                        <a:t>Positive</a:t>
+                      </a:r>
+                    </a:p>
+                  </a:txBody>
+                  <a:tcPr/>
+                </a:tc>
+                <a:extLst>
+                  <a:ext uri="{0D108BD9-81ED-4DB2-BD59-A6C34878D82A}">
+                    <a16:rowId xmlns:a16="http://schemas.microsoft.com/office/drawing/2014/main" val="405707731"/>
+                  </a:ext>
+                </a:extLst>
+              </a:tr>
+              <a:tr h="370840">
+                <a:tc vMerge="1">
+                  <a:txBody>
+                    <a:bodyPr/>
+                    <a:lstStyle/>
+                    <a:p>
+                      <a:endParaRPr lang="en-US" dirty="0"/>
+                    </a:p>
+                  </a:txBody>
+                  <a:tcPr/>
+                </a:tc>
+                <a:tc>
+                  <a:txBody>
+                    <a:bodyPr/>
+                    <a:lstStyle/>
+                    <a:p>
+                      <a:r>
+                        <a:rPr lang="en-US" dirty="0"/>
+                        <a:t>Mortgage-Lending</a:t>
+                      </a:r>
+                    </a:p>
+                  </a:txBody>
+                  <a:tcPr/>
+                </a:tc>
+                <a:tc>
+                  <a:txBody>
+                    <a:bodyPr/>
+                    <a:lstStyle/>
+                    <a:p>
+                      <a:pPr marL="0" marR="0" lvl="0" indent="0" algn="l" defTabSz="914400" rtl="0" eaLnBrk="1" fontAlgn="auto" latinLnBrk="0" hangingPunct="1">
+                        <a:lnSpc>
+                          <a:spcPct val="100000"/>
+                        </a:lnSpc>
+                        <a:spcBef>
+                          <a:spcPts val="0"/>
+                        </a:spcBef>
+                        <a:spcAft>
+                          <a:spcPts val="0"/>
+                        </a:spcAft>
+                        <a:buClrTx/>
+                        <a:buSzTx/>
+                        <a:buFontTx/>
+                        <a:buNone/>
+                        <a:tabLst/>
+                        <a:defRPr/>
+                      </a:pPr>
+                      <a:r>
+                        <a:rPr lang="en-US" dirty="0"/>
+                        <a:t>Positive</a:t>
+                      </a:r>
+                    </a:p>
+                  </a:txBody>
+                  <a:tcPr/>
+                </a:tc>
+                <a:extLst>
+                  <a:ext uri="{0D108BD9-81ED-4DB2-BD59-A6C34878D82A}">
+                    <a16:rowId xmlns:a16="http://schemas.microsoft.com/office/drawing/2014/main" val="3595946194"/>
+                  </a:ext>
+                </a:extLst>
+              </a:tr>
+              <a:tr h="370840">
+                <a:tc vMerge="1">
+                  <a:txBody>
+                    <a:bodyPr/>
+                    <a:lstStyle/>
+                    <a:p>
+                      <a:endParaRPr lang="en-US" dirty="0"/>
+                    </a:p>
+                  </a:txBody>
+                  <a:tcPr/>
+                </a:tc>
+                <a:tc>
+                  <a:txBody>
+                    <a:bodyPr/>
+                    <a:lstStyle/>
+                    <a:p>
+                      <a:r>
+                        <a:rPr lang="en-US" dirty="0"/>
+                        <a:t>Housing Market</a:t>
+                      </a:r>
+                    </a:p>
+                  </a:txBody>
+                  <a:tcPr/>
+                </a:tc>
+                <a:tc>
+                  <a:txBody>
+                    <a:bodyPr/>
+                    <a:lstStyle/>
+                    <a:p>
+                      <a:pPr marL="0" marR="0" lvl="0" indent="0" algn="l" defTabSz="914400" rtl="0" eaLnBrk="1" fontAlgn="auto" latinLnBrk="0" hangingPunct="1">
+                        <a:lnSpc>
+                          <a:spcPct val="100000"/>
+                        </a:lnSpc>
+                        <a:spcBef>
+                          <a:spcPts val="0"/>
+                        </a:spcBef>
+                        <a:spcAft>
+                          <a:spcPts val="0"/>
+                        </a:spcAft>
+                        <a:buClrTx/>
+                        <a:buSzTx/>
+                        <a:buFontTx/>
+                        <a:buNone/>
+                        <a:tabLst/>
+                        <a:defRPr/>
+                      </a:pPr>
+                      <a:r>
+                        <a:rPr lang="en-US" dirty="0"/>
+                        <a:t>Positive</a:t>
+                      </a:r>
+                    </a:p>
+                  </a:txBody>
+                  <a:tcPr/>
+                </a:tc>
+                <a:extLst>
+                  <a:ext uri="{0D108BD9-81ED-4DB2-BD59-A6C34878D82A}">
+                    <a16:rowId xmlns:a16="http://schemas.microsoft.com/office/drawing/2014/main" val="2954412642"/>
+                  </a:ext>
+                </a:extLst>
+              </a:tr>
+              <a:tr h="233680">
+                <a:tc vMerge="1">
+                  <a:txBody>
+                    <a:bodyPr/>
+                    <a:lstStyle/>
+                    <a:p>
+                      <a:endParaRPr lang="en-US" dirty="0"/>
+                    </a:p>
+                  </a:txBody>
+                  <a:tcPr/>
+                </a:tc>
+                <a:tc>
+                  <a:txBody>
+                    <a:bodyPr/>
+                    <a:lstStyle/>
+                    <a:p>
+                      <a:r>
+                        <a:rPr lang="en-US" dirty="0"/>
+                        <a:t>Bear Sterns</a:t>
+                      </a:r>
+                    </a:p>
+                  </a:txBody>
+                  <a:tcPr/>
+                </a:tc>
+                <a:tc>
+                  <a:txBody>
+                    <a:bodyPr/>
+                    <a:lstStyle/>
+                    <a:p>
+                      <a:r>
+                        <a:rPr lang="en-US" dirty="0"/>
+                        <a:t>Positive</a:t>
+                      </a:r>
+                    </a:p>
+                  </a:txBody>
+                  <a:tcPr/>
+                </a:tc>
+                <a:extLst>
+                  <a:ext uri="{0D108BD9-81ED-4DB2-BD59-A6C34878D82A}">
+                    <a16:rowId xmlns:a16="http://schemas.microsoft.com/office/drawing/2014/main" val="792250461"/>
+                  </a:ext>
+                </a:extLst>
+              </a:tr>
+            </a:tbl>
+          </a:graphicData>
+        </a:graphic>
+      </p:graphicFrame>
+      <p:graphicFrame>
+        <p:nvGraphicFramePr>
+          <p:cNvPr id="7" name="Table 5">
+            <a:extLst>
+              <a:ext uri="{FF2B5EF4-FFF2-40B4-BE49-F238E27FC236}">
+                <a16:creationId xmlns:a16="http://schemas.microsoft.com/office/drawing/2014/main" id="{A28B0355-A85E-2C4A-83CD-3F7368F11507}"/>
+              </a:ext>
+            </a:extLst>
+          </p:cNvPr>
+          <p:cNvGraphicFramePr>
+            <a:graphicFrameLocks/>
+          </p:cNvGraphicFramePr>
+          <p:nvPr>
+            <p:extLst>
+              <p:ext uri="{D42A27DB-BD31-4B8C-83A1-F6EECF244321}">
+                <p14:modId xmlns:p14="http://schemas.microsoft.com/office/powerpoint/2010/main" val="1489352018"/>
+              </p:ext>
+            </p:extLst>
+          </p:nvPr>
+        </p:nvGraphicFramePr>
+        <p:xfrm>
+          <a:off x="5686426" y="1454150"/>
+          <a:ext cx="5233988" cy="2225040"/>
+        </p:xfrm>
+        <a:graphic>
+          <a:graphicData uri="http://schemas.openxmlformats.org/drawingml/2006/table">
+            <a:tbl>
+              <a:tblPr firstRow="1" bandRow="1">
+                <a:tableStyleId>{5C22544A-7EE6-4342-B048-85BDC9FD1C3A}</a:tableStyleId>
+              </a:tblPr>
+              <a:tblGrid>
+                <a:gridCol w="876300">
+                  <a:extLst>
+                    <a:ext uri="{9D8B030D-6E8A-4147-A177-3AD203B41FA5}">
+                      <a16:colId xmlns:a16="http://schemas.microsoft.com/office/drawing/2014/main" val="498346314"/>
+                    </a:ext>
+                  </a:extLst>
+                </a:gridCol>
+                <a:gridCol w="2171700">
+                  <a:extLst>
+                    <a:ext uri="{9D8B030D-6E8A-4147-A177-3AD203B41FA5}">
+                      <a16:colId xmlns:a16="http://schemas.microsoft.com/office/drawing/2014/main" val="376666212"/>
+                    </a:ext>
+                  </a:extLst>
+                </a:gridCol>
+                <a:gridCol w="2185988">
+                  <a:extLst>
+                    <a:ext uri="{9D8B030D-6E8A-4147-A177-3AD203B41FA5}">
+                      <a16:colId xmlns:a16="http://schemas.microsoft.com/office/drawing/2014/main" val="3549887309"/>
+                    </a:ext>
+                  </a:extLst>
+                </a:gridCol>
+              </a:tblGrid>
+              <a:tr h="370840">
+                <a:tc rowSpan="6">
+                  <a:txBody>
+                    <a:bodyPr/>
+                    <a:lstStyle/>
+                    <a:p>
+                      <a:endParaRPr lang="en-US" dirty="0"/>
+                    </a:p>
+                    <a:p>
+                      <a:endParaRPr lang="en-US" dirty="0"/>
+                    </a:p>
+                    <a:p>
+                      <a:endParaRPr lang="en-US" dirty="0"/>
+                    </a:p>
+                    <a:p>
+                      <a:endParaRPr lang="en-US" dirty="0"/>
+                    </a:p>
+                    <a:p>
+                      <a:r>
+                        <a:rPr lang="en-US" dirty="0"/>
+                        <a:t>2008</a:t>
+                      </a:r>
+                    </a:p>
+                  </a:txBody>
+                  <a:tcPr/>
+                </a:tc>
+                <a:tc>
+                  <a:txBody>
+                    <a:bodyPr/>
+                    <a:lstStyle/>
+                    <a:p>
+                      <a:r>
+                        <a:rPr lang="en-US" dirty="0"/>
+                        <a:t>Keywords</a:t>
+                      </a:r>
+                    </a:p>
+                  </a:txBody>
+                  <a:tcPr/>
+                </a:tc>
+                <a:tc>
+                  <a:txBody>
+                    <a:bodyPr/>
+                    <a:lstStyle/>
+                    <a:p>
+                      <a:r>
+                        <a:rPr lang="en-US" dirty="0"/>
+                        <a:t>Sentiment</a:t>
+                      </a:r>
+                    </a:p>
+                  </a:txBody>
+                  <a:tcPr/>
+                </a:tc>
+                <a:extLst>
+                  <a:ext uri="{0D108BD9-81ED-4DB2-BD59-A6C34878D82A}">
+                    <a16:rowId xmlns:a16="http://schemas.microsoft.com/office/drawing/2014/main" val="4007752883"/>
+                  </a:ext>
+                </a:extLst>
+              </a:tr>
+              <a:tr h="370840">
+                <a:tc vMerge="1">
+                  <a:txBody>
+                    <a:bodyPr/>
+                    <a:lstStyle/>
+                    <a:p>
+                      <a:endParaRPr lang="en-US" dirty="0"/>
+                    </a:p>
+                  </a:txBody>
+                  <a:tcPr/>
+                </a:tc>
+                <a:tc>
+                  <a:txBody>
+                    <a:bodyPr/>
+                    <a:lstStyle/>
+                    <a:p>
+                      <a:r>
+                        <a:rPr lang="en-US" dirty="0"/>
+                        <a:t>Economy</a:t>
+                      </a:r>
+                    </a:p>
+                  </a:txBody>
+                  <a:tcPr/>
+                </a:tc>
+                <a:tc>
+                  <a:txBody>
+                    <a:bodyPr/>
+                    <a:lstStyle/>
+                    <a:p>
+                      <a:r>
+                        <a:rPr lang="en-US" dirty="0"/>
+                        <a:t>Negative</a:t>
+                      </a:r>
+                    </a:p>
+                  </a:txBody>
+                  <a:tcPr/>
+                </a:tc>
+                <a:extLst>
+                  <a:ext uri="{0D108BD9-81ED-4DB2-BD59-A6C34878D82A}">
+                    <a16:rowId xmlns:a16="http://schemas.microsoft.com/office/drawing/2014/main" val="459712735"/>
+                  </a:ext>
+                </a:extLst>
+              </a:tr>
+              <a:tr h="370840">
+                <a:tc vMerge="1">
+                  <a:txBody>
+                    <a:bodyPr/>
+                    <a:lstStyle/>
+                    <a:p>
+                      <a:endParaRPr lang="en-US" dirty="0"/>
+                    </a:p>
+                  </a:txBody>
+                  <a:tcPr/>
+                </a:tc>
+                <a:tc>
+                  <a:txBody>
+                    <a:bodyPr/>
+                    <a:lstStyle/>
+                    <a:p>
+                      <a:r>
+                        <a:rPr lang="en-US" dirty="0"/>
+                        <a:t>Credit Market</a:t>
+                      </a:r>
+                    </a:p>
+                  </a:txBody>
+                  <a:tcPr/>
+                </a:tc>
+                <a:tc>
+                  <a:txBody>
+                    <a:bodyPr/>
+                    <a:lstStyle/>
+                    <a:p>
+                      <a:pPr marL="0" marR="0" lvl="0" indent="0" algn="l" defTabSz="914400" rtl="0" eaLnBrk="1" fontAlgn="auto" latinLnBrk="0" hangingPunct="1">
+                        <a:lnSpc>
+                          <a:spcPct val="100000"/>
+                        </a:lnSpc>
+                        <a:spcBef>
+                          <a:spcPts val="0"/>
+                        </a:spcBef>
+                        <a:spcAft>
+                          <a:spcPts val="0"/>
+                        </a:spcAft>
+                        <a:buClrTx/>
+                        <a:buSzTx/>
+                        <a:buFontTx/>
+                        <a:buNone/>
+                        <a:tabLst/>
+                        <a:defRPr/>
+                      </a:pPr>
+                      <a:r>
+                        <a:rPr lang="en-US" dirty="0"/>
+                        <a:t>Negative</a:t>
+                      </a:r>
+                    </a:p>
+                  </a:txBody>
+                  <a:tcPr/>
+                </a:tc>
+                <a:extLst>
+                  <a:ext uri="{0D108BD9-81ED-4DB2-BD59-A6C34878D82A}">
+                    <a16:rowId xmlns:a16="http://schemas.microsoft.com/office/drawing/2014/main" val="405707731"/>
+                  </a:ext>
+                </a:extLst>
+              </a:tr>
+              <a:tr h="370840">
+                <a:tc vMerge="1">
+                  <a:txBody>
+                    <a:bodyPr/>
+                    <a:lstStyle/>
+                    <a:p>
+                      <a:endParaRPr lang="en-US" dirty="0"/>
+                    </a:p>
+                  </a:txBody>
+                  <a:tcPr/>
+                </a:tc>
+                <a:tc>
+                  <a:txBody>
+                    <a:bodyPr/>
+                    <a:lstStyle/>
+                    <a:p>
+                      <a:r>
+                        <a:rPr lang="en-US" dirty="0"/>
+                        <a:t>Mortgage-Lending</a:t>
+                      </a:r>
+                    </a:p>
+                  </a:txBody>
+                  <a:tcPr/>
+                </a:tc>
+                <a:tc>
+                  <a:txBody>
+                    <a:bodyPr/>
+                    <a:lstStyle/>
+                    <a:p>
+                      <a:pPr marL="0" marR="0" lvl="0" indent="0" algn="l" defTabSz="914400" rtl="0" eaLnBrk="1" fontAlgn="auto" latinLnBrk="0" hangingPunct="1">
+                        <a:lnSpc>
+                          <a:spcPct val="100000"/>
+                        </a:lnSpc>
+                        <a:spcBef>
+                          <a:spcPts val="0"/>
+                        </a:spcBef>
+                        <a:spcAft>
+                          <a:spcPts val="0"/>
+                        </a:spcAft>
+                        <a:buClrTx/>
+                        <a:buSzTx/>
+                        <a:buFontTx/>
+                        <a:buNone/>
+                        <a:tabLst/>
+                        <a:defRPr/>
+                      </a:pPr>
+                      <a:r>
+                        <a:rPr lang="en-US" dirty="0"/>
+                        <a:t>Negative</a:t>
+                      </a:r>
+                    </a:p>
+                  </a:txBody>
+                  <a:tcPr/>
+                </a:tc>
+                <a:extLst>
+                  <a:ext uri="{0D108BD9-81ED-4DB2-BD59-A6C34878D82A}">
+                    <a16:rowId xmlns:a16="http://schemas.microsoft.com/office/drawing/2014/main" val="3595946194"/>
+                  </a:ext>
+                </a:extLst>
+              </a:tr>
+              <a:tr h="370840">
+                <a:tc vMerge="1">
+                  <a:txBody>
+                    <a:bodyPr/>
+                    <a:lstStyle/>
+                    <a:p>
+                      <a:endParaRPr lang="en-US" dirty="0"/>
+                    </a:p>
+                  </a:txBody>
+                  <a:tcPr/>
+                </a:tc>
+                <a:tc>
+                  <a:txBody>
+                    <a:bodyPr/>
+                    <a:lstStyle/>
+                    <a:p>
+                      <a:r>
+                        <a:rPr lang="en-US" dirty="0"/>
+                        <a:t>Housing Market</a:t>
+                      </a:r>
+                    </a:p>
+                  </a:txBody>
+                  <a:tcPr/>
+                </a:tc>
+                <a:tc>
+                  <a:txBody>
+                    <a:bodyPr/>
+                    <a:lstStyle/>
+                    <a:p>
+                      <a:pPr marL="0" marR="0" lvl="0" indent="0" algn="l" defTabSz="914400" rtl="0" eaLnBrk="1" fontAlgn="auto" latinLnBrk="0" hangingPunct="1">
+                        <a:lnSpc>
+                          <a:spcPct val="100000"/>
+                        </a:lnSpc>
+                        <a:spcBef>
+                          <a:spcPts val="0"/>
+                        </a:spcBef>
+                        <a:spcAft>
+                          <a:spcPts val="0"/>
+                        </a:spcAft>
+                        <a:buClrTx/>
+                        <a:buSzTx/>
+                        <a:buFontTx/>
+                        <a:buNone/>
+                        <a:tabLst/>
+                        <a:defRPr/>
+                      </a:pPr>
+                      <a:r>
+                        <a:rPr lang="en-US" dirty="0"/>
+                        <a:t>Negative</a:t>
+                      </a:r>
+                    </a:p>
+                  </a:txBody>
+                  <a:tcPr/>
+                </a:tc>
+                <a:extLst>
+                  <a:ext uri="{0D108BD9-81ED-4DB2-BD59-A6C34878D82A}">
+                    <a16:rowId xmlns:a16="http://schemas.microsoft.com/office/drawing/2014/main" val="2954412642"/>
+                  </a:ext>
+                </a:extLst>
+              </a:tr>
+              <a:tr h="370840">
+                <a:tc vMerge="1">
+                  <a:txBody>
+                    <a:bodyPr/>
+                    <a:lstStyle/>
+                    <a:p>
+                      <a:endParaRPr lang="en-US" dirty="0"/>
+                    </a:p>
+                  </a:txBody>
+                  <a:tcPr/>
+                </a:tc>
+                <a:tc>
+                  <a:txBody>
+                    <a:bodyPr/>
+                    <a:lstStyle/>
+                    <a:p>
+                      <a:r>
+                        <a:rPr lang="en-US" dirty="0"/>
+                        <a:t>Bear Sterns</a:t>
+                      </a:r>
+                    </a:p>
+                  </a:txBody>
+                  <a:tcPr/>
+                </a:tc>
+                <a:tc>
+                  <a:txBody>
+                    <a:bodyPr/>
+                    <a:lstStyle/>
+                    <a:p>
+                      <a:r>
+                        <a:rPr lang="en-US" dirty="0"/>
+                        <a:t>Negative</a:t>
+                      </a:r>
+                    </a:p>
+                  </a:txBody>
+                  <a:tcPr/>
+                </a:tc>
+                <a:extLst>
+                  <a:ext uri="{0D108BD9-81ED-4DB2-BD59-A6C34878D82A}">
+                    <a16:rowId xmlns:a16="http://schemas.microsoft.com/office/drawing/2014/main" val="792250461"/>
+                  </a:ext>
+                </a:extLst>
+              </a:tr>
+            </a:tbl>
+          </a:graphicData>
+        </a:graphic>
+      </p:graphicFrame>
+      <p:graphicFrame>
+        <p:nvGraphicFramePr>
+          <p:cNvPr id="8" name="Table 5">
+            <a:extLst>
+              <a:ext uri="{FF2B5EF4-FFF2-40B4-BE49-F238E27FC236}">
+                <a16:creationId xmlns:a16="http://schemas.microsoft.com/office/drawing/2014/main" id="{D575B961-CAE4-D54C-AECD-83AD850AFA22}"/>
+              </a:ext>
+            </a:extLst>
+          </p:cNvPr>
+          <p:cNvGraphicFramePr>
+            <a:graphicFrameLocks/>
+          </p:cNvGraphicFramePr>
+          <p:nvPr>
+            <p:extLst>
+              <p:ext uri="{D42A27DB-BD31-4B8C-83A1-F6EECF244321}">
+                <p14:modId xmlns:p14="http://schemas.microsoft.com/office/powerpoint/2010/main" val="1419113471"/>
+              </p:ext>
+            </p:extLst>
+          </p:nvPr>
+        </p:nvGraphicFramePr>
+        <p:xfrm>
+          <a:off x="5686426" y="3667443"/>
+          <a:ext cx="5233988" cy="2225040"/>
+        </p:xfrm>
+        <a:graphic>
+          <a:graphicData uri="http://schemas.openxmlformats.org/drawingml/2006/table">
+            <a:tbl>
+              <a:tblPr firstRow="1" bandRow="1">
+                <a:tableStyleId>{5C22544A-7EE6-4342-B048-85BDC9FD1C3A}</a:tableStyleId>
+              </a:tblPr>
+              <a:tblGrid>
+                <a:gridCol w="876300">
+                  <a:extLst>
+                    <a:ext uri="{9D8B030D-6E8A-4147-A177-3AD203B41FA5}">
+                      <a16:colId xmlns:a16="http://schemas.microsoft.com/office/drawing/2014/main" val="498346314"/>
+                    </a:ext>
+                  </a:extLst>
+                </a:gridCol>
+                <a:gridCol w="2171700">
+                  <a:extLst>
+                    <a:ext uri="{9D8B030D-6E8A-4147-A177-3AD203B41FA5}">
+                      <a16:colId xmlns:a16="http://schemas.microsoft.com/office/drawing/2014/main" val="376666212"/>
+                    </a:ext>
+                  </a:extLst>
+                </a:gridCol>
+                <a:gridCol w="2185988">
+                  <a:extLst>
+                    <a:ext uri="{9D8B030D-6E8A-4147-A177-3AD203B41FA5}">
+                      <a16:colId xmlns:a16="http://schemas.microsoft.com/office/drawing/2014/main" val="3549887309"/>
+                    </a:ext>
+                  </a:extLst>
+                </a:gridCol>
+              </a:tblGrid>
+              <a:tr h="370840">
+                <a:tc rowSpan="6">
+                  <a:txBody>
+                    <a:bodyPr/>
+                    <a:lstStyle/>
+                    <a:p>
+                      <a:endParaRPr lang="en-US" dirty="0"/>
+                    </a:p>
+                    <a:p>
+                      <a:endParaRPr lang="en-US" dirty="0"/>
+                    </a:p>
+                    <a:p>
+                      <a:endParaRPr lang="en-US" dirty="0"/>
+                    </a:p>
+                    <a:p>
+                      <a:endParaRPr lang="en-US" dirty="0"/>
+                    </a:p>
+                    <a:p>
+                      <a:r>
+                        <a:rPr lang="en-US" dirty="0"/>
+                        <a:t>2009</a:t>
+                      </a:r>
+                    </a:p>
+                  </a:txBody>
+                  <a:tcPr/>
+                </a:tc>
+                <a:tc>
+                  <a:txBody>
+                    <a:bodyPr/>
+                    <a:lstStyle/>
+                    <a:p>
+                      <a:r>
+                        <a:rPr lang="en-US" dirty="0"/>
+                        <a:t>Keywords</a:t>
+                      </a:r>
+                    </a:p>
+                  </a:txBody>
+                  <a:tcPr/>
+                </a:tc>
+                <a:tc>
+                  <a:txBody>
+                    <a:bodyPr/>
+                    <a:lstStyle/>
+                    <a:p>
+                      <a:r>
+                        <a:rPr lang="en-US" dirty="0"/>
+                        <a:t>Sentiment</a:t>
+                      </a:r>
+                    </a:p>
+                  </a:txBody>
+                  <a:tcPr/>
+                </a:tc>
+                <a:extLst>
+                  <a:ext uri="{0D108BD9-81ED-4DB2-BD59-A6C34878D82A}">
+                    <a16:rowId xmlns:a16="http://schemas.microsoft.com/office/drawing/2014/main" val="4007752883"/>
+                  </a:ext>
+                </a:extLst>
+              </a:tr>
+              <a:tr h="370840">
+                <a:tc vMerge="1">
+                  <a:txBody>
+                    <a:bodyPr/>
+                    <a:lstStyle/>
+                    <a:p>
+                      <a:endParaRPr lang="en-US" dirty="0"/>
+                    </a:p>
+                  </a:txBody>
+                  <a:tcPr/>
+                </a:tc>
+                <a:tc>
+                  <a:txBody>
+                    <a:bodyPr/>
+                    <a:lstStyle/>
+                    <a:p>
+                      <a:r>
+                        <a:rPr lang="en-US" dirty="0"/>
+                        <a:t>Economy</a:t>
+                      </a:r>
+                    </a:p>
+                  </a:txBody>
+                  <a:tcPr/>
+                </a:tc>
+                <a:tc>
+                  <a:txBody>
+                    <a:bodyPr/>
+                    <a:lstStyle/>
+                    <a:p>
+                      <a:r>
+                        <a:rPr lang="en-US" dirty="0"/>
+                        <a:t>Negative</a:t>
+                      </a:r>
+                    </a:p>
+                  </a:txBody>
+                  <a:tcPr/>
+                </a:tc>
+                <a:extLst>
+                  <a:ext uri="{0D108BD9-81ED-4DB2-BD59-A6C34878D82A}">
+                    <a16:rowId xmlns:a16="http://schemas.microsoft.com/office/drawing/2014/main" val="459712735"/>
+                  </a:ext>
+                </a:extLst>
+              </a:tr>
+              <a:tr h="370840">
+                <a:tc vMerge="1">
+                  <a:txBody>
+                    <a:bodyPr/>
+                    <a:lstStyle/>
+                    <a:p>
+                      <a:endParaRPr lang="en-US" dirty="0"/>
+                    </a:p>
+                  </a:txBody>
+                  <a:tcPr/>
+                </a:tc>
+                <a:tc>
+                  <a:txBody>
+                    <a:bodyPr/>
+                    <a:lstStyle/>
+                    <a:p>
+                      <a:r>
+                        <a:rPr lang="en-US" dirty="0"/>
+                        <a:t>Credit Market</a:t>
+                      </a:r>
+                    </a:p>
+                  </a:txBody>
+                  <a:tcPr/>
+                </a:tc>
+                <a:tc>
+                  <a:txBody>
+                    <a:bodyPr/>
+                    <a:lstStyle/>
+                    <a:p>
+                      <a:r>
+                        <a:rPr lang="en-US" dirty="0"/>
+                        <a:t>Negative</a:t>
+                      </a:r>
+                    </a:p>
+                  </a:txBody>
+                  <a:tcPr/>
+                </a:tc>
+                <a:extLst>
+                  <a:ext uri="{0D108BD9-81ED-4DB2-BD59-A6C34878D82A}">
+                    <a16:rowId xmlns:a16="http://schemas.microsoft.com/office/drawing/2014/main" val="405707731"/>
+                  </a:ext>
+                </a:extLst>
+              </a:tr>
+              <a:tr h="370840">
+                <a:tc vMerge="1">
+                  <a:txBody>
+                    <a:bodyPr/>
+                    <a:lstStyle/>
+                    <a:p>
+                      <a:endParaRPr lang="en-US" dirty="0"/>
+                    </a:p>
+                  </a:txBody>
+                  <a:tcPr/>
+                </a:tc>
+                <a:tc>
+                  <a:txBody>
+                    <a:bodyPr/>
+                    <a:lstStyle/>
+                    <a:p>
+                      <a:r>
+                        <a:rPr lang="en-US" dirty="0"/>
+                        <a:t>Mortgage-Lending</a:t>
+                      </a:r>
+                    </a:p>
+                  </a:txBody>
+                  <a:tcPr/>
+                </a:tc>
+                <a:tc>
+                  <a:txBody>
+                    <a:bodyPr/>
+                    <a:lstStyle/>
+                    <a:p>
+                      <a:r>
+                        <a:rPr lang="en-US" dirty="0"/>
+                        <a:t>Negative</a:t>
+                      </a:r>
+                    </a:p>
+                  </a:txBody>
+                  <a:tcPr/>
+                </a:tc>
+                <a:extLst>
+                  <a:ext uri="{0D108BD9-81ED-4DB2-BD59-A6C34878D82A}">
+                    <a16:rowId xmlns:a16="http://schemas.microsoft.com/office/drawing/2014/main" val="3595946194"/>
+                  </a:ext>
+                </a:extLst>
+              </a:tr>
+              <a:tr h="370840">
+                <a:tc vMerge="1">
+                  <a:txBody>
+                    <a:bodyPr/>
+                    <a:lstStyle/>
+                    <a:p>
+                      <a:endParaRPr lang="en-US" dirty="0"/>
+                    </a:p>
+                  </a:txBody>
+                  <a:tcPr/>
+                </a:tc>
+                <a:tc>
+                  <a:txBody>
+                    <a:bodyPr/>
+                    <a:lstStyle/>
+                    <a:p>
+                      <a:r>
+                        <a:rPr lang="en-US" dirty="0"/>
+                        <a:t>Housing Market</a:t>
+                      </a:r>
+                    </a:p>
+                  </a:txBody>
+                  <a:tcPr/>
+                </a:tc>
+                <a:tc>
+                  <a:txBody>
+                    <a:bodyPr/>
+                    <a:lstStyle/>
+                    <a:p>
+                      <a:r>
+                        <a:rPr lang="en-US" dirty="0"/>
+                        <a:t>Negative</a:t>
+                      </a:r>
+                    </a:p>
+                  </a:txBody>
+                  <a:tcPr/>
+                </a:tc>
+                <a:extLst>
+                  <a:ext uri="{0D108BD9-81ED-4DB2-BD59-A6C34878D82A}">
+                    <a16:rowId xmlns:a16="http://schemas.microsoft.com/office/drawing/2014/main" val="2954412642"/>
+                  </a:ext>
+                </a:extLst>
+              </a:tr>
+              <a:tr h="370840">
+                <a:tc vMerge="1">
+                  <a:txBody>
+                    <a:bodyPr/>
+                    <a:lstStyle/>
+                    <a:p>
+                      <a:endParaRPr lang="en-US" dirty="0"/>
+                    </a:p>
+                  </a:txBody>
+                  <a:tcPr/>
+                </a:tc>
+                <a:tc>
+                  <a:txBody>
+                    <a:bodyPr/>
+                    <a:lstStyle/>
+                    <a:p>
+                      <a:r>
+                        <a:rPr lang="en-US" dirty="0"/>
+                        <a:t>Bear Sterns</a:t>
+                      </a:r>
+                    </a:p>
+                  </a:txBody>
+                  <a:tcPr/>
+                </a:tc>
+                <a:tc>
+                  <a:txBody>
+                    <a:bodyPr/>
+                    <a:lstStyle/>
+                    <a:p>
+                      <a:r>
+                        <a:rPr lang="en-US" dirty="0"/>
+                        <a:t>Negative</a:t>
+                      </a:r>
+                    </a:p>
+                  </a:txBody>
+                  <a:tcPr/>
+                </a:tc>
+                <a:extLst>
+                  <a:ext uri="{0D108BD9-81ED-4DB2-BD59-A6C34878D82A}">
+                    <a16:rowId xmlns:a16="http://schemas.microsoft.com/office/drawing/2014/main" val="792250461"/>
+                  </a:ext>
+                </a:extLst>
+              </a:tr>
+            </a:tbl>
+          </a:graphicData>
+        </a:graphic>
+      </p:graphicFrame>
+    </p:spTree>
+    <p:extLst>
+      <p:ext uri="{BB962C8B-B14F-4D97-AF65-F5344CB8AC3E}">
+        <p14:creationId xmlns:p14="http://schemas.microsoft.com/office/powerpoint/2010/main" val="1729748955"/>
+      </p:ext>
+    </p:extLst>
+  </p:cSld>
+  <p:clrMapOvr>
+    <a:masterClrMapping/>
+  </p:clrMapOvr>
+</p:sld>
+</file>
+
+<file path=ppt/slides/slide11.xml><?xml version="1.0" encoding="utf-8"?>
+<p:sld xmlns:a="http://schemas.openxmlformats.org/drawingml/2006/main" xmlns:r="http://schemas.openxmlformats.org/officeDocument/2006/relationships" xmlns:p="http://schemas.openxmlformats.org/presentationml/2006/main">
+  <p:cSld>
+    <p:spTree>
+      <p:nvGrpSpPr>
+        <p:cNvPr id="1" name=""/>
+        <p:cNvGrpSpPr/>
+        <p:nvPr/>
+      </p:nvGrpSpPr>
+      <p:grpSpPr>
+        <a:xfrm>
+          <a:off x="0" y="0"/>
+          <a:ext cx="0" cy="0"/>
+          <a:chOff x="0" y="0"/>
+          <a:chExt cx="0" cy="0"/>
+        </a:xfrm>
+      </p:grpSpPr>
+      <p:sp>
+        <p:nvSpPr>
+          <p:cNvPr id="2" name="Title 1">
+            <a:extLst>
+              <a:ext uri="{FF2B5EF4-FFF2-40B4-BE49-F238E27FC236}">
                 <a16:creationId xmlns:a16="http://schemas.microsoft.com/office/drawing/2014/main" id="{D3924E95-EB49-C24E-BA90-C00E0F20A0E3}"/>
               </a:ext>
             </a:extLst>
@@ -4478,7 +5943,7 @@
 </p:sld>
 </file>
 
-<file path=ppt/slides/slide11.xml><?xml version="1.0" encoding="utf-8"?>
+<file path=ppt/slides/slide12.xml><?xml version="1.0" encoding="utf-8"?>
 <p:sld xmlns:a="http://schemas.openxmlformats.org/drawingml/2006/main" xmlns:r="http://schemas.openxmlformats.org/officeDocument/2006/relationships" xmlns:p="http://schemas.openxmlformats.org/presentationml/2006/main">
   <p:cSld>
     <p:spTree>
@@ -4547,7 +6012,7 @@
         </p:spPr>
         <p:txBody>
           <a:bodyPr>
-            <a:normAutofit fontScale="92500" lnSpcReduction="10000"/>
+            <a:normAutofit lnSpcReduction="10000"/>
           </a:bodyPr>
           <a:lstStyle/>
           <a:p>
@@ -4566,13 +6031,6 @@
             <a:pPr lvl="1"/>
             <a:r>
               <a:rPr lang="en-US" dirty="0"/>
-              <a:t>RNN vanishing gradient</a:t>
-            </a:r>
-          </a:p>
-          <a:p>
-            <a:pPr lvl="1"/>
-            <a:r>
-              <a:rPr lang="en-US" dirty="0"/>
               <a:t>Accuracy: 60.09%</a:t>
             </a:r>
           </a:p>
@@ -4633,7 +6091,7 @@
             <a:pPr lvl="1"/>
             <a:r>
               <a:rPr lang="en-US" dirty="0"/>
-              <a:t>Accuracy Score: 62.97%, 63.48%</a:t>
+              <a:t>Accuracy: 62.97%, 63.48%</a:t>
             </a:r>
           </a:p>
           <a:p>
@@ -4659,7 +6117,7 @@
 </p:sld>
 </file>
 
-<file path=ppt/slides/slide12.xml><?xml version="1.0" encoding="utf-8"?>
+<file path=ppt/slides/slide13.xml><?xml version="1.0" encoding="utf-8"?>
 <p:sld xmlns:a="http://schemas.openxmlformats.org/drawingml/2006/main" xmlns:r="http://schemas.openxmlformats.org/officeDocument/2006/relationships" xmlns:p="http://schemas.openxmlformats.org/presentationml/2006/main">
   <p:cSld>
     <p:spTree>
@@ -5368,7 +6826,7 @@
           <p:nvPr>
             <p:extLst>
               <p:ext uri="{D42A27DB-BD31-4B8C-83A1-F6EECF244321}">
-                <p14:modId xmlns:p14="http://schemas.microsoft.com/office/powerpoint/2010/main" val="2062054331"/>
+                <p14:modId xmlns:p14="http://schemas.microsoft.com/office/powerpoint/2010/main" val="1342655871"/>
               </p:ext>
             </p:extLst>
           </p:nvPr>
@@ -5494,7 +6952,7 @@
                     <a:lstStyle/>
                     <a:p>
                       <a:r>
-                        <a:rPr lang="en-US" dirty="0"/>
+                        <a:rPr lang="en-US" b="1" dirty="0"/>
                         <a:t>Negative</a:t>
                       </a:r>
                     </a:p>
@@ -5692,7 +7150,7 @@
           <p:nvPr>
             <p:extLst>
               <p:ext uri="{D42A27DB-BD31-4B8C-83A1-F6EECF244321}">
-                <p14:modId xmlns:p14="http://schemas.microsoft.com/office/powerpoint/2010/main" val="2150791992"/>
+                <p14:modId xmlns:p14="http://schemas.microsoft.com/office/powerpoint/2010/main" val="2951678560"/>
               </p:ext>
             </p:extLst>
           </p:nvPr>
@@ -5818,7 +7276,7 @@
                     <a:lstStyle/>
                     <a:p>
                       <a:r>
-                        <a:rPr lang="en-US" dirty="0"/>
+                        <a:rPr lang="en-US" b="1" dirty="0"/>
                         <a:t>Negative</a:t>
                       </a:r>
                     </a:p>
@@ -5861,7 +7319,7 @@
                     <a:lstStyle/>
                     <a:p>
                       <a:r>
-                        <a:rPr lang="en-US" dirty="0"/>
+                        <a:rPr lang="en-US" b="1" dirty="0"/>
                         <a:t>Positive</a:t>
                       </a:r>
                     </a:p>
@@ -5904,7 +7362,7 @@
                     <a:lstStyle/>
                     <a:p>
                       <a:r>
-                        <a:rPr lang="en-US" dirty="0"/>
+                        <a:rPr lang="en-US" b="1" dirty="0"/>
                         <a:t>Negative</a:t>
                       </a:r>
                     </a:p>
@@ -5947,7 +7405,7 @@
                     <a:lstStyle/>
                     <a:p>
                       <a:r>
-                        <a:rPr lang="en-US" dirty="0"/>
+                        <a:rPr lang="en-US" b="1" dirty="0"/>
                         <a:t>Negative</a:t>
                       </a:r>
                     </a:p>
@@ -6005,208 +7463,6 @@
     <p:extLst>
       <p:ext uri="{BB962C8B-B14F-4D97-AF65-F5344CB8AC3E}">
         <p14:creationId xmlns:p14="http://schemas.microsoft.com/office/powerpoint/2010/main" val="3851312208"/>
-      </p:ext>
-    </p:extLst>
-  </p:cSld>
-  <p:clrMapOvr>
-    <a:masterClrMapping/>
-  </p:clrMapOvr>
-</p:sld>
-</file>
-
-<file path=ppt/slides/slide13.xml><?xml version="1.0" encoding="utf-8"?>
-<p:sld xmlns:a="http://schemas.openxmlformats.org/drawingml/2006/main" xmlns:r="http://schemas.openxmlformats.org/officeDocument/2006/relationships" xmlns:p="http://schemas.openxmlformats.org/presentationml/2006/main">
-  <p:cSld>
-    <p:spTree>
-      <p:nvGrpSpPr>
-        <p:cNvPr id="1" name=""/>
-        <p:cNvGrpSpPr/>
-        <p:nvPr/>
-      </p:nvGrpSpPr>
-      <p:grpSpPr>
-        <a:xfrm>
-          <a:off x="0" y="0"/>
-          <a:ext cx="0" cy="0"/>
-          <a:chOff x="0" y="0"/>
-          <a:chExt cx="0" cy="0"/>
-        </a:xfrm>
-      </p:grpSpPr>
-      <p:sp>
-        <p:nvSpPr>
-          <p:cNvPr id="2" name="Title 1">
-            <a:extLst>
-              <a:ext uri="{FF2B5EF4-FFF2-40B4-BE49-F238E27FC236}">
-                <a16:creationId xmlns:a16="http://schemas.microsoft.com/office/drawing/2014/main" id="{EB8A14D6-7733-ED40-AF2A-BAAF732A7F55}"/>
-              </a:ext>
-            </a:extLst>
-          </p:cNvPr>
-          <p:cNvSpPr>
-            <a:spLocks noGrp="1"/>
-          </p:cNvSpPr>
-          <p:nvPr>
-            <p:ph type="title"/>
-          </p:nvPr>
-        </p:nvSpPr>
-        <p:spPr/>
-        <p:txBody>
-          <a:bodyPr/>
-          <a:lstStyle/>
-          <a:p>
-            <a:r>
-              <a:rPr lang="en-US" dirty="0"/>
-              <a:t>GFC – COVID19</a:t>
-            </a:r>
-          </a:p>
-        </p:txBody>
-      </p:sp>
-      <p:sp>
-        <p:nvSpPr>
-          <p:cNvPr id="3" name="Content Placeholder 2">
-            <a:extLst>
-              <a:ext uri="{FF2B5EF4-FFF2-40B4-BE49-F238E27FC236}">
-                <a16:creationId xmlns:a16="http://schemas.microsoft.com/office/drawing/2014/main" id="{7A6EB388-8B28-6B46-94B8-56D2CE35AE10}"/>
-              </a:ext>
-            </a:extLst>
-          </p:cNvPr>
-          <p:cNvSpPr>
-            <a:spLocks noGrp="1"/>
-          </p:cNvSpPr>
-          <p:nvPr>
-            <p:ph idx="1"/>
-          </p:nvPr>
-        </p:nvSpPr>
-        <p:spPr/>
-        <p:txBody>
-          <a:bodyPr/>
-          <a:lstStyle/>
-          <a:p>
-            <a:r>
-              <a:rPr lang="en-US" dirty="0"/>
-              <a:t>Economy: </a:t>
-            </a:r>
-            <a:r>
-              <a:rPr lang="en-US" dirty="0">
-                <a:solidFill>
-                  <a:srgbClr val="C00000"/>
-                </a:solidFill>
-              </a:rPr>
-              <a:t>negative</a:t>
-            </a:r>
-            <a:r>
-              <a:rPr lang="en-US" dirty="0"/>
-              <a:t> by the end of both </a:t>
-            </a:r>
-            <a:r>
-              <a:rPr lang="en-US" i="1" dirty="0"/>
-              <a:t>recession events</a:t>
-            </a:r>
-            <a:endParaRPr lang="en-US" dirty="0"/>
-          </a:p>
-          <a:p>
-            <a:r>
-              <a:rPr lang="en-US" dirty="0"/>
-              <a:t>Credit Market: </a:t>
-            </a:r>
-            <a:r>
-              <a:rPr lang="en-US" dirty="0">
-                <a:solidFill>
-                  <a:schemeClr val="accent6">
-                    <a:lumMod val="50000"/>
-                  </a:schemeClr>
-                </a:solidFill>
-              </a:rPr>
-              <a:t>positive</a:t>
-            </a:r>
-            <a:r>
-              <a:rPr lang="en-US" dirty="0"/>
-              <a:t> by the end of </a:t>
-            </a:r>
-            <a:r>
-              <a:rPr lang="en-US" i="1" dirty="0"/>
-              <a:t>post-covid</a:t>
-            </a:r>
-          </a:p>
-          <a:p>
-            <a:r>
-              <a:rPr lang="en-US" dirty="0"/>
-              <a:t>Mortgage Lending: </a:t>
-            </a:r>
-            <a:r>
-              <a:rPr lang="en-US" dirty="0">
-                <a:solidFill>
-                  <a:srgbClr val="C00000"/>
-                </a:solidFill>
-              </a:rPr>
-              <a:t>negative</a:t>
-            </a:r>
-            <a:r>
-              <a:rPr lang="en-US" dirty="0"/>
-              <a:t> by the end of both </a:t>
-            </a:r>
-            <a:r>
-              <a:rPr lang="en-US" i="1" dirty="0"/>
-              <a:t>recession events</a:t>
-            </a:r>
-            <a:endParaRPr lang="en-US" dirty="0"/>
-          </a:p>
-          <a:p>
-            <a:r>
-              <a:rPr lang="en-US" dirty="0"/>
-              <a:t>Housing Market: </a:t>
-            </a:r>
-            <a:r>
-              <a:rPr lang="en-US" dirty="0">
-                <a:solidFill>
-                  <a:srgbClr val="C00000"/>
-                </a:solidFill>
-              </a:rPr>
-              <a:t>negative</a:t>
-            </a:r>
-            <a:r>
-              <a:rPr lang="en-US" dirty="0"/>
-              <a:t> by the end of both </a:t>
-            </a:r>
-            <a:r>
-              <a:rPr lang="en-US" i="1" dirty="0"/>
-              <a:t>recession events</a:t>
-            </a:r>
-          </a:p>
-          <a:p>
-            <a:endParaRPr lang="en-US" i="1" dirty="0"/>
-          </a:p>
-          <a:p>
-            <a:pPr marL="0" indent="0">
-              <a:buNone/>
-            </a:pPr>
-            <a:r>
-              <a:rPr lang="en-US" dirty="0"/>
-              <a:t>Different Reasons</a:t>
-            </a:r>
-          </a:p>
-          <a:p>
-            <a:pPr marL="514350" indent="-514350">
-              <a:buAutoNum type="arabicPeriod"/>
-            </a:pPr>
-            <a:r>
-              <a:rPr lang="en-US" dirty="0"/>
-              <a:t>Policies</a:t>
-            </a:r>
-          </a:p>
-          <a:p>
-            <a:pPr marL="514350" indent="-514350">
-              <a:buAutoNum type="arabicPeriod"/>
-            </a:pPr>
-            <a:r>
-              <a:rPr lang="en-US" dirty="0"/>
-              <a:t>Scale of measurements</a:t>
-            </a:r>
-          </a:p>
-        </p:txBody>
-      </p:sp>
-    </p:spTree>
-    <p:extLst>
-      <p:ext uri="{BB962C8B-B14F-4D97-AF65-F5344CB8AC3E}">
-        <p14:creationId xmlns:p14="http://schemas.microsoft.com/office/powerpoint/2010/main" val="3324584044"/>
       </p:ext>
     </p:extLst>
   </p:cSld>
@@ -6238,7 +7494,7 @@
           <p:cNvPr id="2" name="Title 1">
             <a:extLst>
               <a:ext uri="{FF2B5EF4-FFF2-40B4-BE49-F238E27FC236}">
-                <a16:creationId xmlns:a16="http://schemas.microsoft.com/office/drawing/2014/main" id="{18037DF2-0CDD-C64C-A2BF-5AD22BABB84F}"/>
+                <a16:creationId xmlns:a16="http://schemas.microsoft.com/office/drawing/2014/main" id="{EB8A14D6-7733-ED40-AF2A-BAAF732A7F55}"/>
               </a:ext>
             </a:extLst>
           </p:cNvPr>
@@ -6256,7 +7512,7 @@
           <a:p>
             <a:r>
               <a:rPr lang="en-US" dirty="0"/>
-              <a:t>Overall Conclusions</a:t>
+              <a:t>GFC – COVID19</a:t>
             </a:r>
           </a:p>
         </p:txBody>
@@ -6266,7 +7522,7 @@
           <p:cNvPr id="3" name="Content Placeholder 2">
             <a:extLst>
               <a:ext uri="{FF2B5EF4-FFF2-40B4-BE49-F238E27FC236}">
-                <a16:creationId xmlns:a16="http://schemas.microsoft.com/office/drawing/2014/main" id="{D49E1FDE-381B-7344-8072-F65CB90ED9BB}"/>
+                <a16:creationId xmlns:a16="http://schemas.microsoft.com/office/drawing/2014/main" id="{7A6EB388-8B28-6B46-94B8-56D2CE35AE10}"/>
               </a:ext>
             </a:extLst>
           </p:cNvPr>
@@ -6284,26 +7540,123 @@
           <a:p>
             <a:r>
               <a:rPr lang="en-US" dirty="0"/>
-              <a:t>By training the algorithms on only the GFC batch first, we can see the change of word sentiment (averages) by the post-covid batch</a:t>
-            </a:r>
-          </a:p>
-          <a:p>
+              <a:t>Economy: </a:t>
+            </a:r>
+            <a:r>
+              <a:rPr lang="en-US" dirty="0">
+                <a:solidFill>
+                  <a:srgbClr val="C00000"/>
+                </a:solidFill>
+              </a:rPr>
+              <a:t>negative</a:t>
+            </a:r>
             <a:r>
               <a:rPr lang="en-US" dirty="0"/>
-              <a:t>These words are commonly used within news articles when discussing the economy</a:t>
-            </a:r>
+              <a:t> by the end of both </a:t>
+            </a:r>
+            <a:r>
+              <a:rPr lang="en-US" i="1" dirty="0"/>
+              <a:t>recession events</a:t>
+            </a:r>
+            <a:endParaRPr lang="en-US" dirty="0"/>
           </a:p>
           <a:p>
             <a:r>
               <a:rPr lang="en-US" dirty="0"/>
-              <a:t>Many future extensions</a:t>
-            </a:r>
-          </a:p>
-          <a:p>
-            <a:pPr lvl="1"/>
+              <a:t>Credit Market: </a:t>
+            </a:r>
+            <a:r>
+              <a:rPr lang="en-US" dirty="0">
+                <a:solidFill>
+                  <a:schemeClr val="accent6">
+                    <a:lumMod val="50000"/>
+                  </a:schemeClr>
+                </a:solidFill>
+              </a:rPr>
+              <a:t>positive</a:t>
+            </a:r>
             <a:r>
               <a:rPr lang="en-US" dirty="0"/>
-              <a:t>Smaller Batches</a:t>
+              <a:t> by the end of </a:t>
+            </a:r>
+            <a:r>
+              <a:rPr lang="en-US" i="1" dirty="0"/>
+              <a:t>post-covid</a:t>
+            </a:r>
+          </a:p>
+          <a:p>
+            <a:r>
+              <a:rPr lang="en-US" dirty="0"/>
+              <a:t>Mortgage Lending: </a:t>
+            </a:r>
+            <a:r>
+              <a:rPr lang="en-US" dirty="0">
+                <a:solidFill>
+                  <a:srgbClr val="C00000"/>
+                </a:solidFill>
+              </a:rPr>
+              <a:t>negative</a:t>
+            </a:r>
+            <a:r>
+              <a:rPr lang="en-US" dirty="0"/>
+              <a:t> by the end of both </a:t>
+            </a:r>
+            <a:r>
+              <a:rPr lang="en-US" i="1" dirty="0"/>
+              <a:t>recession events</a:t>
+            </a:r>
+            <a:endParaRPr lang="en-US" dirty="0"/>
+          </a:p>
+          <a:p>
+            <a:r>
+              <a:rPr lang="en-US" dirty="0"/>
+              <a:t>Housing Market: </a:t>
+            </a:r>
+            <a:r>
+              <a:rPr lang="en-US" dirty="0">
+                <a:solidFill>
+                  <a:srgbClr val="C00000"/>
+                </a:solidFill>
+              </a:rPr>
+              <a:t>negative</a:t>
+            </a:r>
+            <a:r>
+              <a:rPr lang="en-US" dirty="0"/>
+              <a:t> by the end of both </a:t>
+            </a:r>
+            <a:r>
+              <a:rPr lang="en-US" i="1" dirty="0"/>
+              <a:t>recession events</a:t>
+            </a:r>
+          </a:p>
+          <a:p>
+            <a:endParaRPr lang="en-US" i="1" dirty="0"/>
+          </a:p>
+          <a:p>
+            <a:pPr marL="0" indent="0">
+              <a:buNone/>
+            </a:pPr>
+            <a:r>
+              <a:rPr lang="en-US" dirty="0"/>
+              <a:t>Different Reasons</a:t>
+            </a:r>
+          </a:p>
+          <a:p>
+            <a:pPr marL="514350" indent="-514350">
+              <a:buAutoNum type="arabicPeriod"/>
+            </a:pPr>
+            <a:r>
+              <a:rPr lang="en-US" dirty="0"/>
+              <a:t>Policies</a:t>
+            </a:r>
+          </a:p>
+          <a:p>
+            <a:pPr marL="514350" indent="-514350">
+              <a:buAutoNum type="arabicPeriod"/>
+            </a:pPr>
+            <a:r>
+              <a:rPr lang="en-US" dirty="0"/>
+              <a:t>Scale of measurements</a:t>
             </a:r>
           </a:p>
         </p:txBody>
@@ -6311,7 +7664,7 @@
     </p:spTree>
     <p:extLst>
       <p:ext uri="{BB962C8B-B14F-4D97-AF65-F5344CB8AC3E}">
-        <p14:creationId xmlns:p14="http://schemas.microsoft.com/office/powerpoint/2010/main" val="3817731454"/>
+        <p14:creationId xmlns:p14="http://schemas.microsoft.com/office/powerpoint/2010/main" val="3324584044"/>
       </p:ext>
     </p:extLst>
   </p:cSld>
@@ -6343,7 +7696,7 @@
           <p:cNvPr id="2" name="Title 1">
             <a:extLst>
               <a:ext uri="{FF2B5EF4-FFF2-40B4-BE49-F238E27FC236}">
-                <a16:creationId xmlns:a16="http://schemas.microsoft.com/office/drawing/2014/main" id="{47F8A712-FD49-CB46-B4C6-08DACE04259A}"/>
+                <a16:creationId xmlns:a16="http://schemas.microsoft.com/office/drawing/2014/main" id="{18037DF2-0CDD-C64C-A2BF-5AD22BABB84F}"/>
               </a:ext>
             </a:extLst>
           </p:cNvPr>
@@ -6361,7 +7714,7 @@
           <a:p>
             <a:r>
               <a:rPr lang="en-US" dirty="0"/>
-              <a:t>References</a:t>
+              <a:t>Overall Conclusions</a:t>
             </a:r>
           </a:p>
         </p:txBody>
@@ -6371,7 +7724,7 @@
           <p:cNvPr id="3" name="Content Placeholder 2">
             <a:extLst>
               <a:ext uri="{FF2B5EF4-FFF2-40B4-BE49-F238E27FC236}">
-                <a16:creationId xmlns:a16="http://schemas.microsoft.com/office/drawing/2014/main" id="{BA641FBE-972B-2B48-AB28-51C7E7FEEB0B}"/>
+                <a16:creationId xmlns:a16="http://schemas.microsoft.com/office/drawing/2014/main" id="{D49E1FDE-381B-7344-8072-F65CB90ED9BB}"/>
               </a:ext>
             </a:extLst>
           </p:cNvPr>
@@ -6382,101 +7735,55 @@
             <p:ph idx="1"/>
           </p:nvPr>
         </p:nvSpPr>
-        <p:spPr>
-          <a:xfrm>
-            <a:off x="838200" y="1825625"/>
-            <a:ext cx="10515600" cy="3875088"/>
-          </a:xfrm>
-        </p:spPr>
+        <p:spPr/>
         <p:txBody>
-          <a:bodyPr>
-            <a:normAutofit/>
-          </a:bodyPr>
+          <a:bodyPr/>
           <a:lstStyle/>
           <a:p>
             <a:r>
-              <a:rPr lang="en-US" sz="1800" u="sng" dirty="0">
-                <a:hlinkClick r:id="rId2"/>
-              </a:rPr>
-              <a:t>https://colah.github.io/posts/2015-08-Understanding-LSTMs/</a:t>
-            </a:r>
-            <a:endParaRPr lang="en-US" sz="1800" dirty="0"/>
-          </a:p>
-          <a:p>
-            <a:r>
-              <a:rPr lang="en-US" sz="1800" u="sng" dirty="0">
-                <a:hlinkClick r:id="rId3"/>
-              </a:rPr>
-              <a:t>https://monkeylearn.com/sentiment-analysis/</a:t>
-            </a:r>
-            <a:endParaRPr lang="en-US" sz="1800" dirty="0"/>
-          </a:p>
-          <a:p>
-            <a:r>
-              <a:rPr lang="en-US" sz="1800" u="sng" dirty="0">
-                <a:hlinkClick r:id="rId4"/>
-              </a:rPr>
-              <a:t>https://towardsdatascience.com/a-guide-to-encoding-text-in-python-ef783e50f09e</a:t>
-            </a:r>
-            <a:endParaRPr lang="en-US" sz="1800" dirty="0"/>
-          </a:p>
-          <a:p>
-            <a:r>
-              <a:rPr lang="en-US" sz="1800" u="sng" dirty="0">
-                <a:hlinkClick r:id="rId5"/>
-              </a:rPr>
-              <a:t>https://www.aiperspectives.com/twitter-sentiment-analysis/</a:t>
-            </a:r>
-            <a:endParaRPr lang="en-US" sz="1800" dirty="0"/>
-          </a:p>
-          <a:p>
-            <a:r>
-              <a:rPr lang="en-US" sz="1800" u="sng" dirty="0">
-                <a:hlinkClick r:id="rId6"/>
-              </a:rPr>
-              <a:t>https://medium.com/@vasista/sentiment-analysis-using-svm-338d418e3ff1#:~:text=Sentiment%20Analysis%20is%20the%20NLP%20technique%20that%20performs%20on%20the,positive%2C%20negative%2C%20or%20neutral</a:t>
-            </a:r>
-            <a:r>
-              <a:rPr lang="en-US" sz="1800" dirty="0"/>
-              <a:t>.</a:t>
-            </a:r>
-          </a:p>
-          <a:p>
-            <a:r>
-              <a:rPr lang="en-US" sz="1800" u="sng" dirty="0">
-                <a:hlinkClick r:id="rId7"/>
-              </a:rPr>
-              <a:t>https://www.analyticsvidhya.com/blog/2021/06/natural-language-processing-sentiment-analysis-using-lstm/</a:t>
-            </a:r>
-            <a:endParaRPr lang="en-US" sz="1800" dirty="0"/>
-          </a:p>
-          <a:p>
-            <a:r>
-              <a:rPr lang="en-US" sz="1800" u="sng" dirty="0">
-                <a:hlinkClick r:id="rId8"/>
-              </a:rPr>
-              <a:t>https://www.analyticsvidhya.com/blog/2021/07/performing-sentiment-analysis-with-naive-bayes-classifier/</a:t>
-            </a:r>
-            <a:endParaRPr lang="en-US" sz="1800" dirty="0"/>
-          </a:p>
-          <a:p>
-            <a:r>
-              <a:rPr lang="en-US" sz="1800" u="sng" dirty="0">
-                <a:hlinkClick r:id="rId9"/>
-              </a:rPr>
-              <a:t>https://monkeylearn.com/blog/what-is-tf-idf/</a:t>
-            </a:r>
-            <a:endParaRPr lang="en-US" sz="1800" dirty="0"/>
-          </a:p>
-          <a:p>
-            <a:endParaRPr lang="en-US" dirty="0"/>
+              <a:rPr lang="en-US" dirty="0"/>
+              <a:t>By training the algorithms on only the GFC batch first, we can see the change of article/word sentiment (averages) by the post-covid batch</a:t>
+            </a:r>
+          </a:p>
+          <a:p>
+            <a:r>
+              <a:rPr lang="en-US" dirty="0"/>
+              <a:t>These words are commonly used within news articles when discussing the economy</a:t>
+            </a:r>
+          </a:p>
+          <a:p>
+            <a:r>
+              <a:rPr lang="en-US" dirty="0"/>
+              <a:t>Future Improvements</a:t>
+            </a:r>
+          </a:p>
+          <a:p>
+            <a:pPr lvl="1"/>
+            <a:r>
+              <a:rPr lang="en-US" dirty="0"/>
+              <a:t>Smaller Batches</a:t>
+            </a:r>
+          </a:p>
+          <a:p>
+            <a:pPr lvl="1"/>
+            <a:r>
+              <a:rPr lang="en-US" dirty="0"/>
+              <a:t>Different algorithms</a:t>
+            </a:r>
+          </a:p>
+          <a:p>
+            <a:pPr lvl="1"/>
+            <a:r>
+              <a:rPr lang="en-US" dirty="0"/>
+              <a:t>Economic Consequence or Economic Factor?</a:t>
+            </a:r>
           </a:p>
         </p:txBody>
       </p:sp>
     </p:spTree>
     <p:extLst>
       <p:ext uri="{BB962C8B-B14F-4D97-AF65-F5344CB8AC3E}">
-        <p14:creationId xmlns:p14="http://schemas.microsoft.com/office/powerpoint/2010/main" val="2539747715"/>
+        <p14:creationId xmlns:p14="http://schemas.microsoft.com/office/powerpoint/2010/main" val="3817731454"/>
       </p:ext>
     </p:extLst>
   </p:cSld>
@@ -6486,7 +7793,7 @@
 </p:sld>
 </file>
 
-<file path=ppt/slides/slide2.xml><?xml version="1.0" encoding="utf-8"?>
+<file path=ppt/slides/slide16.xml><?xml version="1.0" encoding="utf-8"?>
 <p:sld xmlns:a="http://schemas.openxmlformats.org/drawingml/2006/main" xmlns:r="http://schemas.openxmlformats.org/officeDocument/2006/relationships" xmlns:p="http://schemas.openxmlformats.org/presentationml/2006/main">
   <p:cSld>
     <p:spTree>
@@ -6508,6 +7815,464 @@
           <p:cNvPr id="2" name="Title 1">
             <a:extLst>
               <a:ext uri="{FF2B5EF4-FFF2-40B4-BE49-F238E27FC236}">
+                <a16:creationId xmlns:a16="http://schemas.microsoft.com/office/drawing/2014/main" id="{47F8A712-FD49-CB46-B4C6-08DACE04259A}"/>
+              </a:ext>
+            </a:extLst>
+          </p:cNvPr>
+          <p:cNvSpPr>
+            <a:spLocks noGrp="1"/>
+          </p:cNvSpPr>
+          <p:nvPr>
+            <p:ph type="title"/>
+          </p:nvPr>
+        </p:nvSpPr>
+        <p:spPr/>
+        <p:txBody>
+          <a:bodyPr/>
+          <a:lstStyle/>
+          <a:p>
+            <a:r>
+              <a:rPr lang="en-US" dirty="0"/>
+              <a:t>References</a:t>
+            </a:r>
+          </a:p>
+        </p:txBody>
+      </p:sp>
+      <p:sp>
+        <p:nvSpPr>
+          <p:cNvPr id="3" name="Content Placeholder 2">
+            <a:extLst>
+              <a:ext uri="{FF2B5EF4-FFF2-40B4-BE49-F238E27FC236}">
+                <a16:creationId xmlns:a16="http://schemas.microsoft.com/office/drawing/2014/main" id="{BA641FBE-972B-2B48-AB28-51C7E7FEEB0B}"/>
+              </a:ext>
+            </a:extLst>
+          </p:cNvPr>
+          <p:cNvSpPr>
+            <a:spLocks noGrp="1"/>
+          </p:cNvSpPr>
+          <p:nvPr>
+            <p:ph idx="1"/>
+          </p:nvPr>
+        </p:nvSpPr>
+        <p:spPr>
+          <a:xfrm>
+            <a:off x="838200" y="1414463"/>
+            <a:ext cx="10515600" cy="4286250"/>
+          </a:xfrm>
+        </p:spPr>
+        <p:txBody>
+          <a:bodyPr>
+            <a:normAutofit lnSpcReduction="10000"/>
+          </a:bodyPr>
+          <a:lstStyle/>
+          <a:p>
+            <a:r>
+              <a:rPr lang="en-US" sz="1800" u="sng" dirty="0">
+                <a:hlinkClick r:id="rId2"/>
+              </a:rPr>
+              <a:t>https://colah.github.io/posts/2015-08-Understanding-LSTMs/</a:t>
+            </a:r>
+            <a:endParaRPr lang="en-US" sz="1800" dirty="0"/>
+          </a:p>
+          <a:p>
+            <a:r>
+              <a:rPr lang="en-US" sz="1800" u="sng" dirty="0">
+                <a:hlinkClick r:id="rId3"/>
+              </a:rPr>
+              <a:t>https://monkeylearn.com/sentiment-analysis/</a:t>
+            </a:r>
+            <a:endParaRPr lang="en-US" sz="1800" dirty="0"/>
+          </a:p>
+          <a:p>
+            <a:r>
+              <a:rPr lang="en-US" sz="1800" u="sng" dirty="0">
+                <a:hlinkClick r:id="rId4"/>
+              </a:rPr>
+              <a:t>https://towardsdatascience.com/a-guide-to-encoding-text-in-python-ef783e50f09e</a:t>
+            </a:r>
+            <a:endParaRPr lang="en-US" sz="1800" dirty="0"/>
+          </a:p>
+          <a:p>
+            <a:r>
+              <a:rPr lang="en-US" sz="1800" u="sng" dirty="0">
+                <a:hlinkClick r:id="rId5"/>
+              </a:rPr>
+              <a:t>https://www.aiperspectives.com/twitter-sentiment-analysis/</a:t>
+            </a:r>
+            <a:endParaRPr lang="en-US" sz="1800" dirty="0"/>
+          </a:p>
+          <a:p>
+            <a:r>
+              <a:rPr lang="en-US" sz="1800" u="sng" dirty="0">
+                <a:hlinkClick r:id="rId6"/>
+              </a:rPr>
+              <a:t>https://medium.com/@vasista/sentiment-analysis-using-svm-338d418e3ff1#:~:text=Sentiment%20Analysis%20is%20the%20NLP%20technique%20that%20performs%20on%20the,positive%2C%20negative%2C%20or%20neutral</a:t>
+            </a:r>
+            <a:r>
+              <a:rPr lang="en-US" sz="1800" dirty="0"/>
+              <a:t>.</a:t>
+            </a:r>
+          </a:p>
+          <a:p>
+            <a:r>
+              <a:rPr lang="en-US" sz="1800" u="sng" dirty="0">
+                <a:hlinkClick r:id="rId7"/>
+              </a:rPr>
+              <a:t>https://www.analyticsvidhya.com/blog/2021/06/natural-language-processing-sentiment-analysis-using-lstm/</a:t>
+            </a:r>
+            <a:endParaRPr lang="en-US" sz="1800" dirty="0"/>
+          </a:p>
+          <a:p>
+            <a:r>
+              <a:rPr lang="en-US" sz="1800" u="sng" dirty="0">
+                <a:hlinkClick r:id="rId8"/>
+              </a:rPr>
+              <a:t>https://www.analyticsvidhya.com/blog/2021/07/performing-sentiment-analysis-with-naive-bayes-classifier/</a:t>
+            </a:r>
+            <a:endParaRPr lang="en-US" sz="1800" dirty="0"/>
+          </a:p>
+          <a:p>
+            <a:r>
+              <a:rPr lang="en-US" sz="1800" u="sng" dirty="0">
+                <a:hlinkClick r:id="rId9"/>
+              </a:rPr>
+              <a:t>https://monkeylearn.com/blog/what-is-tf-idf/</a:t>
+            </a:r>
+            <a:endParaRPr lang="en-US" sz="1800" u="sng" dirty="0"/>
+          </a:p>
+          <a:p>
+            <a:endParaRPr lang="en-US" sz="1800" u="sng" dirty="0"/>
+          </a:p>
+          <a:p>
+            <a:r>
+              <a:rPr lang="en-US" sz="1800" dirty="0"/>
+              <a:t>Others in Report</a:t>
+            </a:r>
+          </a:p>
+          <a:p>
+            <a:endParaRPr lang="en-US" dirty="0"/>
+          </a:p>
+        </p:txBody>
+      </p:sp>
+    </p:spTree>
+    <p:extLst>
+      <p:ext uri="{BB962C8B-B14F-4D97-AF65-F5344CB8AC3E}">
+        <p14:creationId xmlns:p14="http://schemas.microsoft.com/office/powerpoint/2010/main" val="2539747715"/>
+      </p:ext>
+    </p:extLst>
+  </p:cSld>
+  <p:clrMapOvr>
+    <a:masterClrMapping/>
+  </p:clrMapOvr>
+</p:sld>
+</file>
+
+<file path=ppt/slides/slide2.xml><?xml version="1.0" encoding="utf-8"?>
+<p:sld xmlns:a="http://schemas.openxmlformats.org/drawingml/2006/main" xmlns:r="http://schemas.openxmlformats.org/officeDocument/2006/relationships" xmlns:p="http://schemas.openxmlformats.org/presentationml/2006/main">
+  <p:cSld>
+    <p:bg>
+      <p:bgPr>
+        <a:solidFill>
+          <a:schemeClr val="bg1"/>
+        </a:solidFill>
+        <a:effectLst/>
+      </p:bgPr>
+    </p:bg>
+    <p:spTree>
+      <p:nvGrpSpPr>
+        <p:cNvPr id="1" name=""/>
+        <p:cNvGrpSpPr/>
+        <p:nvPr/>
+      </p:nvGrpSpPr>
+      <p:grpSpPr>
+        <a:xfrm>
+          <a:off x="0" y="0"/>
+          <a:ext cx="0" cy="0"/>
+          <a:chOff x="0" y="0"/>
+          <a:chExt cx="0" cy="0"/>
+        </a:xfrm>
+      </p:grpSpPr>
+      <p:sp>
+        <p:nvSpPr>
+          <p:cNvPr id="10" name="Rectangle 9">
+            <a:extLst>
+              <a:ext uri="{FF2B5EF4-FFF2-40B4-BE49-F238E27FC236}">
+                <a16:creationId xmlns:a16="http://schemas.microsoft.com/office/drawing/2014/main" id="{23A58148-D452-4F6F-A2FE-EED968DE1970}"/>
+              </a:ext>
+              <a:ext uri="{C183D7F6-B498-43B3-948B-1728B52AA6E4}">
+                <adec:decorative xmlns:adec="http://schemas.microsoft.com/office/drawing/2017/decorative" val="1"/>
+              </a:ext>
+            </a:extLst>
+          </p:cNvPr>
+          <p:cNvSpPr>
+            <a:spLocks noGrp="1" noRot="1" noChangeAspect="1" noMove="1" noResize="1" noEditPoints="1" noAdjustHandles="1" noChangeArrowheads="1" noChangeShapeType="1" noTextEdit="1"/>
+          </p:cNvSpPr>
+          <p:nvPr>
+            <p:extLst>
+              <p:ext uri="{386F3935-93C4-4BCD-93E2-E3B085C9AB24}">
+                <p16:designElem xmlns:p16="http://schemas.microsoft.com/office/powerpoint/2015/main" val="1"/>
+              </p:ext>
+            </p:extLst>
+          </p:nvPr>
+        </p:nvSpPr>
+        <p:spPr>
+          <a:xfrm>
+            <a:off x="-1" y="0"/>
+            <a:ext cx="3864635" cy="6858000"/>
+          </a:xfrm>
+          <a:prstGeom prst="rect">
+            <a:avLst/>
+          </a:prstGeom>
+          <a:ln>
+            <a:noFill/>
+          </a:ln>
+        </p:spPr>
+        <p:style>
+          <a:lnRef idx="2">
+            <a:schemeClr val="accent1">
+              <a:shade val="50000"/>
+            </a:schemeClr>
+          </a:lnRef>
+          <a:fillRef idx="1">
+            <a:schemeClr val="accent1"/>
+          </a:fillRef>
+          <a:effectRef idx="0">
+            <a:schemeClr val="accent1"/>
+          </a:effectRef>
+          <a:fontRef idx="minor">
+            <a:schemeClr val="lt1"/>
+          </a:fontRef>
+        </p:style>
+        <p:txBody>
+          <a:bodyPr rtlCol="0" anchor="ctr"/>
+          <a:lstStyle/>
+          <a:p>
+            <a:pPr algn="ctr"/>
+            <a:endParaRPr lang="en-US" dirty="0"/>
+          </a:p>
+        </p:txBody>
+      </p:sp>
+      <p:sp>
+        <p:nvSpPr>
+          <p:cNvPr id="2" name="Title 1">
+            <a:extLst>
+              <a:ext uri="{FF2B5EF4-FFF2-40B4-BE49-F238E27FC236}">
+                <a16:creationId xmlns:a16="http://schemas.microsoft.com/office/drawing/2014/main" id="{1DC0D489-FF87-D245-BDE8-3D2EDFC0F0E9}"/>
+              </a:ext>
+            </a:extLst>
+          </p:cNvPr>
+          <p:cNvSpPr>
+            <a:spLocks noGrp="1"/>
+          </p:cNvSpPr>
+          <p:nvPr>
+            <p:ph type="title"/>
+          </p:nvPr>
+        </p:nvSpPr>
+        <p:spPr>
+          <a:xfrm>
+            <a:off x="312724" y="3433763"/>
+            <a:ext cx="3197013" cy="2743200"/>
+          </a:xfrm>
+        </p:spPr>
+        <p:txBody>
+          <a:bodyPr anchor="t">
+            <a:normAutofit/>
+          </a:bodyPr>
+          <a:lstStyle/>
+          <a:p>
+            <a:pPr algn="ctr"/>
+            <a:r>
+              <a:rPr lang="en-US" sz="4800">
+                <a:solidFill>
+                  <a:schemeClr val="bg1"/>
+                </a:solidFill>
+              </a:rPr>
+              <a:t>Overview</a:t>
+            </a:r>
+          </a:p>
+        </p:txBody>
+      </p:sp>
+      <p:pic>
+        <p:nvPicPr>
+          <p:cNvPr id="7" name="Graphic 6" descr="Head with Gears">
+            <a:extLst>
+              <a:ext uri="{FF2B5EF4-FFF2-40B4-BE49-F238E27FC236}">
+                <a16:creationId xmlns:a16="http://schemas.microsoft.com/office/drawing/2014/main" id="{4A43F632-8413-8E78-EF91-363825D1D88A}"/>
+              </a:ext>
+            </a:extLst>
+          </p:cNvPr>
+          <p:cNvPicPr>
+            <a:picLocks noChangeAspect="1"/>
+          </p:cNvPicPr>
+          <p:nvPr/>
+        </p:nvPicPr>
+        <p:blipFill>
+          <a:blip r:embed="rId2">
+            <a:extLst>
+              <a:ext uri="{28A0092B-C50C-407E-A947-70E740481C1C}">
+                <a14:useLocalDpi xmlns:a14="http://schemas.microsoft.com/office/drawing/2010/main" val="0"/>
+              </a:ext>
+              <a:ext uri="{96DAC541-7B7A-43D3-8B79-37D633B846F1}">
+                <asvg:svgBlip xmlns:asvg="http://schemas.microsoft.com/office/drawing/2016/SVG/main" r:embed="rId3"/>
+              </a:ext>
+            </a:extLst>
+          </a:blip>
+          <a:stretch>
+            <a:fillRect/>
+          </a:stretch>
+        </p:blipFill>
+        <p:spPr>
+          <a:xfrm>
+            <a:off x="1402271" y="2122544"/>
+            <a:ext cx="914400" cy="914400"/>
+          </a:xfrm>
+          <a:prstGeom prst="rect">
+            <a:avLst/>
+          </a:prstGeom>
+        </p:spPr>
+      </p:pic>
+      <p:sp>
+        <p:nvSpPr>
+          <p:cNvPr id="3" name="Content Placeholder 2">
+            <a:extLst>
+              <a:ext uri="{FF2B5EF4-FFF2-40B4-BE49-F238E27FC236}">
+                <a16:creationId xmlns:a16="http://schemas.microsoft.com/office/drawing/2014/main" id="{674761E9-C4E5-3F42-81A0-E6CBE34CA98F}"/>
+              </a:ext>
+            </a:extLst>
+          </p:cNvPr>
+          <p:cNvSpPr>
+            <a:spLocks noGrp="1"/>
+          </p:cNvSpPr>
+          <p:nvPr>
+            <p:ph idx="1"/>
+          </p:nvPr>
+        </p:nvSpPr>
+        <p:spPr>
+          <a:xfrm>
+            <a:off x="4330719" y="994611"/>
+            <a:ext cx="7289799" cy="5180500"/>
+          </a:xfrm>
+        </p:spPr>
+        <p:txBody>
+          <a:bodyPr anchor="ctr">
+            <a:normAutofit/>
+          </a:bodyPr>
+          <a:lstStyle/>
+          <a:p>
+            <a:r>
+              <a:rPr lang="en-US" dirty="0">
+                <a:latin typeface="Times New Roman" panose="02020603050405020304" pitchFamily="18" charset="0"/>
+                <a:cs typeface="Times New Roman" panose="02020603050405020304" pitchFamily="18" charset="0"/>
+              </a:rPr>
+              <a:t>Problem Statement</a:t>
+            </a:r>
+          </a:p>
+          <a:p>
+            <a:r>
+              <a:rPr lang="en-US" dirty="0">
+                <a:latin typeface="Times New Roman" panose="02020603050405020304" pitchFamily="18" charset="0"/>
+                <a:cs typeface="Times New Roman" panose="02020603050405020304" pitchFamily="18" charset="0"/>
+              </a:rPr>
+              <a:t>Relevant Literature</a:t>
+            </a:r>
+          </a:p>
+          <a:p>
+            <a:r>
+              <a:rPr lang="en-US" dirty="0">
+                <a:latin typeface="Times New Roman" panose="02020603050405020304" pitchFamily="18" charset="0"/>
+                <a:cs typeface="Times New Roman" panose="02020603050405020304" pitchFamily="18" charset="0"/>
+              </a:rPr>
+              <a:t>Data Acquisition</a:t>
+            </a:r>
+          </a:p>
+          <a:p>
+            <a:r>
+              <a:rPr lang="en-US" dirty="0">
+                <a:latin typeface="Times New Roman" panose="02020603050405020304" pitchFamily="18" charset="0"/>
+                <a:cs typeface="Times New Roman" panose="02020603050405020304" pitchFamily="18" charset="0"/>
+              </a:rPr>
+              <a:t>Pre-Processing</a:t>
+            </a:r>
+          </a:p>
+          <a:p>
+            <a:r>
+              <a:rPr lang="en-US" dirty="0">
+                <a:latin typeface="Times New Roman" panose="02020603050405020304" pitchFamily="18" charset="0"/>
+                <a:cs typeface="Times New Roman" panose="02020603050405020304" pitchFamily="18" charset="0"/>
+              </a:rPr>
+              <a:t>Encoding</a:t>
+            </a:r>
+          </a:p>
+          <a:p>
+            <a:r>
+              <a:rPr lang="en-US" dirty="0">
+                <a:latin typeface="Times New Roman" panose="02020603050405020304" pitchFamily="18" charset="0"/>
+                <a:cs typeface="Times New Roman" panose="02020603050405020304" pitchFamily="18" charset="0"/>
+              </a:rPr>
+              <a:t>ML Algorithms</a:t>
+            </a:r>
+          </a:p>
+          <a:p>
+            <a:r>
+              <a:rPr lang="en-US" dirty="0">
+                <a:latin typeface="Times New Roman" panose="02020603050405020304" pitchFamily="18" charset="0"/>
+                <a:cs typeface="Times New Roman" panose="02020603050405020304" pitchFamily="18" charset="0"/>
+              </a:rPr>
+              <a:t>Testing Set</a:t>
+            </a:r>
+          </a:p>
+          <a:p>
+            <a:r>
+              <a:rPr lang="en-US" dirty="0">
+                <a:latin typeface="Times New Roman" panose="02020603050405020304" pitchFamily="18" charset="0"/>
+                <a:cs typeface="Times New Roman" panose="02020603050405020304" pitchFamily="18" charset="0"/>
+              </a:rPr>
+              <a:t>Conclusions</a:t>
+            </a:r>
+          </a:p>
+          <a:p>
+            <a:endParaRPr lang="en-US" dirty="0"/>
+          </a:p>
+          <a:p>
+            <a:endParaRPr lang="en-US" dirty="0"/>
+          </a:p>
+        </p:txBody>
+      </p:sp>
+    </p:spTree>
+    <p:extLst>
+      <p:ext uri="{BB962C8B-B14F-4D97-AF65-F5344CB8AC3E}">
+        <p14:creationId xmlns:p14="http://schemas.microsoft.com/office/powerpoint/2010/main" val="2895369649"/>
+      </p:ext>
+    </p:extLst>
+  </p:cSld>
+  <p:clrMapOvr>
+    <a:masterClrMapping/>
+  </p:clrMapOvr>
+</p:sld>
+</file>
+
+<file path=ppt/slides/slide3.xml><?xml version="1.0" encoding="utf-8"?>
+<p:sld xmlns:a="http://schemas.openxmlformats.org/drawingml/2006/main" xmlns:r="http://schemas.openxmlformats.org/officeDocument/2006/relationships" xmlns:p="http://schemas.openxmlformats.org/presentationml/2006/main">
+  <p:cSld>
+    <p:spTree>
+      <p:nvGrpSpPr>
+        <p:cNvPr id="1" name=""/>
+        <p:cNvGrpSpPr/>
+        <p:nvPr/>
+      </p:nvGrpSpPr>
+      <p:grpSpPr>
+        <a:xfrm>
+          <a:off x="0" y="0"/>
+          <a:ext cx="0" cy="0"/>
+          <a:chOff x="0" y="0"/>
+          <a:chExt cx="0" cy="0"/>
+        </a:xfrm>
+      </p:grpSpPr>
+      <p:sp>
+        <p:nvSpPr>
+          <p:cNvPr id="2" name="Title 1">
+            <a:extLst>
+              <a:ext uri="{FF2B5EF4-FFF2-40B4-BE49-F238E27FC236}">
                 <a16:creationId xmlns:a16="http://schemas.microsoft.com/office/drawing/2014/main" id="{B367A93C-C01D-824A-B855-3C8959DB7A62}"/>
               </a:ext>
             </a:extLst>
@@ -6565,7 +8330,7 @@
           <a:p>
             <a:r>
               <a:rPr lang="en-US" dirty="0"/>
-              <a:t>Using a batch of news articles from the GFC (Global Financial Crisis, 2007-2009) and a batch from 2020-2020 we can measure sentiment fluctuations</a:t>
+              <a:t>Using a batch of news articles from the GFC (Global Financial Crisis, 2007-2009) and a batch from 2020-2022* we can record sentiment fluctuations amongst articles</a:t>
             </a:r>
           </a:p>
         </p:txBody>
@@ -6613,7 +8378,7 @@
 </p:sld>
 </file>
 
-<file path=ppt/slides/slide3.xml><?xml version="1.0" encoding="utf-8"?>
+<file path=ppt/slides/slide4.xml><?xml version="1.0" encoding="utf-8"?>
 <p:sld xmlns:a="http://schemas.openxmlformats.org/drawingml/2006/main" xmlns:r="http://schemas.openxmlformats.org/officeDocument/2006/relationships" xmlns:p="http://schemas.openxmlformats.org/presentationml/2006/main">
   <p:cSld>
     <p:spTree>
@@ -6779,7 +8544,7 @@
 </p:sld>
 </file>
 
-<file path=ppt/slides/slide4.xml><?xml version="1.0" encoding="utf-8"?>
+<file path=ppt/slides/slide5.xml><?xml version="1.0" encoding="utf-8"?>
 <p:sld xmlns:a="http://schemas.openxmlformats.org/drawingml/2006/main" xmlns:r="http://schemas.openxmlformats.org/officeDocument/2006/relationships" xmlns:p="http://schemas.openxmlformats.org/presentationml/2006/main">
   <p:cSld>
     <p:bg>
@@ -6932,8 +8697,28 @@
           <a:p>
             <a:r>
               <a:rPr lang="en-US" sz="1400" dirty="0"/>
-              <a:t>Dow Jones’ Factiva News Aggregator*</a:t>
-            </a:r>
+              <a:t>Dow Jones’ Factiva News Aggregator</a:t>
+            </a:r>
+          </a:p>
+          <a:p>
+            <a:pPr lvl="1"/>
+            <a:r>
+              <a:rPr lang="en-US" sz="1000" dirty="0"/>
+              <a:t>Sentiment  </a:t>
+            </a:r>
+            <a:r>
+              <a:rPr lang="en-US" sz="1000" i="1" dirty="0"/>
+              <a:t>Positive News (English)</a:t>
+            </a:r>
+            <a:r>
+              <a:rPr lang="en-US" sz="1000" dirty="0"/>
+              <a:t> and </a:t>
+            </a:r>
+            <a:r>
+              <a:rPr lang="en-US" sz="1000" i="1" dirty="0"/>
+              <a:t>Negative News (English)</a:t>
+            </a:r>
+            <a:endParaRPr lang="en-US" sz="1000" dirty="0"/>
           </a:p>
           <a:p>
             <a:r>
@@ -6958,7 +8743,15 @@
             <a:pPr lvl="1"/>
             <a:r>
               <a:rPr lang="en-US" sz="1200" dirty="0"/>
-              <a:t>01/01/2019 to 04/30/2022</a:t>
+              <a:t>01/01/</a:t>
+            </a:r>
+            <a:r>
+              <a:rPr lang="en-US" sz="1200" b="1" dirty="0"/>
+              <a:t>2019 </a:t>
+            </a:r>
+            <a:r>
+              <a:rPr lang="en-US" sz="1200" dirty="0"/>
+              <a:t>to 04/30/2022</a:t>
             </a:r>
           </a:p>
           <a:p>
@@ -6980,7 +8773,15 @@
             <a:pPr lvl="1"/>
             <a:r>
               <a:rPr lang="en-US" sz="1200" dirty="0"/>
-              <a:t>01/01/2006 to 12/31/2010</a:t>
+              <a:t>01/01/</a:t>
+            </a:r>
+            <a:r>
+              <a:rPr lang="en-US" sz="1200" b="1" dirty="0"/>
+              <a:t>2006</a:t>
+            </a:r>
+            <a:r>
+              <a:rPr lang="en-US" sz="1200" dirty="0"/>
+              <a:t> to 12/31/2010</a:t>
             </a:r>
           </a:p>
           <a:p>
@@ -8110,7 +9911,7 @@
 </p:sld>
 </file>
 
-<file path=ppt/slides/slide5.xml><?xml version="1.0" encoding="utf-8"?>
+<file path=ppt/slides/slide6.xml><?xml version="1.0" encoding="utf-8"?>
 <p:sld xmlns:a="http://schemas.openxmlformats.org/drawingml/2006/main" xmlns:r="http://schemas.openxmlformats.org/officeDocument/2006/relationships" xmlns:p="http://schemas.openxmlformats.org/presentationml/2006/main">
   <p:cSld>
     <p:spTree>
@@ -8280,7 +10081,7 @@
 </p:sld>
 </file>
 
-<file path=ppt/slides/slide6.xml><?xml version="1.0" encoding="utf-8"?>
+<file path=ppt/slides/slide7.xml><?xml version="1.0" encoding="utf-8"?>
 <p:sld xmlns:a="http://schemas.openxmlformats.org/drawingml/2006/main" xmlns:r="http://schemas.openxmlformats.org/officeDocument/2006/relationships" xmlns:p="http://schemas.openxmlformats.org/presentationml/2006/main">
   <p:cSld>
     <p:spTree>
@@ -8411,7 +10212,7 @@
 </p:sld>
 </file>
 
-<file path=ppt/slides/slide7.xml><?xml version="1.0" encoding="utf-8"?>
+<file path=ppt/slides/slide8.xml><?xml version="1.0" encoding="utf-8"?>
 <p:sld xmlns:a="http://schemas.openxmlformats.org/drawingml/2006/main" xmlns:r="http://schemas.openxmlformats.org/officeDocument/2006/relationships" xmlns:p="http://schemas.openxmlformats.org/presentationml/2006/main">
   <p:cSld>
     <p:spTree>
@@ -8528,7 +10329,7 @@
 </p:sld>
 </file>
 
-<file path=ppt/slides/slide8.xml><?xml version="1.0" encoding="utf-8"?>
+<file path=ppt/slides/slide9.xml><?xml version="1.0" encoding="utf-8"?>
 <p:sld xmlns:a="http://schemas.openxmlformats.org/drawingml/2006/main" xmlns:r="http://schemas.openxmlformats.org/officeDocument/2006/relationships" xmlns:p="http://schemas.openxmlformats.org/presentationml/2006/main">
   <p:cSld>
     <p:bg>
@@ -8950,18 +10751,28 @@
           <a:lstStyle/>
           <a:p>
             <a:r>
-              <a:rPr lang="en-US" sz="2200"/>
+              <a:rPr lang="en-US" sz="2200" dirty="0"/>
               <a:t>TF-IDF</a:t>
             </a:r>
           </a:p>
           <a:p>
             <a:r>
-              <a:rPr lang="en-US" sz="2200"/>
-              <a:t>News Articles via Word Clouds</a:t>
-            </a:r>
-          </a:p>
-          <a:p>
-            <a:endParaRPr lang="en-US" sz="2200"/>
+              <a:rPr lang="en-US" sz="2200" dirty="0"/>
+              <a:t>Most frequent words from batch in training set</a:t>
+            </a:r>
+          </a:p>
+          <a:p>
+            <a:r>
+              <a:rPr lang="en-US" sz="2200" dirty="0" err="1"/>
+              <a:t>Covad</a:t>
+            </a:r>
+            <a:r>
+              <a:rPr lang="en-US" sz="2200" dirty="0"/>
+              <a:t>*</a:t>
+            </a:r>
+          </a:p>
+          <a:p>
+            <a:endParaRPr lang="en-US" sz="2200" dirty="0"/>
           </a:p>
         </p:txBody>
       </p:sp>
@@ -8987,8 +10798,8 @@
         </p:blipFill>
         <p:spPr>
           <a:xfrm>
-            <a:off x="6261817" y="2136838"/>
-            <a:ext cx="4346134" cy="4367974"/>
+            <a:off x="5636601" y="1301416"/>
+            <a:ext cx="5314056" cy="5340760"/>
           </a:xfrm>
           <a:prstGeom prst="rect">
             <a:avLst/>
@@ -8999,1470 +10810,6 @@
     <p:extLst>
       <p:ext uri="{BB962C8B-B14F-4D97-AF65-F5344CB8AC3E}">
         <p14:creationId xmlns:p14="http://schemas.microsoft.com/office/powerpoint/2010/main" val="1189379469"/>
-      </p:ext>
-    </p:extLst>
-  </p:cSld>
-  <p:clrMapOvr>
-    <a:masterClrMapping/>
-  </p:clrMapOvr>
-</p:sld>
-</file>
-
-<file path=ppt/slides/slide9.xml><?xml version="1.0" encoding="utf-8"?>
-<p:sld xmlns:a="http://schemas.openxmlformats.org/drawingml/2006/main" xmlns:r="http://schemas.openxmlformats.org/officeDocument/2006/relationships" xmlns:p="http://schemas.openxmlformats.org/presentationml/2006/main">
-  <p:cSld>
-    <p:spTree>
-      <p:nvGrpSpPr>
-        <p:cNvPr id="1" name=""/>
-        <p:cNvGrpSpPr/>
-        <p:nvPr/>
-      </p:nvGrpSpPr>
-      <p:grpSpPr>
-        <a:xfrm>
-          <a:off x="0" y="0"/>
-          <a:ext cx="0" cy="0"/>
-          <a:chOff x="0" y="0"/>
-          <a:chExt cx="0" cy="0"/>
-        </a:xfrm>
-      </p:grpSpPr>
-      <p:sp>
-        <p:nvSpPr>
-          <p:cNvPr id="2" name="Title 1">
-            <a:extLst>
-              <a:ext uri="{FF2B5EF4-FFF2-40B4-BE49-F238E27FC236}">
-                <a16:creationId xmlns:a16="http://schemas.microsoft.com/office/drawing/2014/main" id="{185E4063-873E-DC49-B1C2-B038D60351C8}"/>
-              </a:ext>
-            </a:extLst>
-          </p:cNvPr>
-          <p:cNvSpPr>
-            <a:spLocks noGrp="1"/>
-          </p:cNvSpPr>
-          <p:nvPr>
-            <p:ph type="title"/>
-          </p:nvPr>
-        </p:nvSpPr>
-        <p:spPr/>
-        <p:txBody>
-          <a:bodyPr/>
-          <a:lstStyle/>
-          <a:p>
-            <a:r>
-              <a:rPr lang="en-US" dirty="0"/>
-              <a:t>Recession-Based Words: GFC Sentiment</a:t>
-            </a:r>
-          </a:p>
-        </p:txBody>
-      </p:sp>
-      <p:graphicFrame>
-        <p:nvGraphicFramePr>
-          <p:cNvPr id="5" name="Table 5">
-            <a:extLst>
-              <a:ext uri="{FF2B5EF4-FFF2-40B4-BE49-F238E27FC236}">
-                <a16:creationId xmlns:a16="http://schemas.microsoft.com/office/drawing/2014/main" id="{9D9A6B0A-E7D0-824C-9B3B-C1C36141A7CF}"/>
-              </a:ext>
-            </a:extLst>
-          </p:cNvPr>
-          <p:cNvGraphicFramePr>
-            <a:graphicFrameLocks noGrp="1"/>
-          </p:cNvGraphicFramePr>
-          <p:nvPr>
-            <p:ph idx="1"/>
-            <p:extLst>
-              <p:ext uri="{D42A27DB-BD31-4B8C-83A1-F6EECF244321}">
-                <p14:modId xmlns:p14="http://schemas.microsoft.com/office/powerpoint/2010/main" val="2710622404"/>
-              </p:ext>
-            </p:extLst>
-          </p:nvPr>
-        </p:nvGraphicFramePr>
-        <p:xfrm>
-          <a:off x="452438" y="1454150"/>
-          <a:ext cx="5233988" cy="2225040"/>
-        </p:xfrm>
-        <a:graphic>
-          <a:graphicData uri="http://schemas.openxmlformats.org/drawingml/2006/table">
-            <a:tbl>
-              <a:tblPr firstRow="1" bandRow="1">
-                <a:tableStyleId>{5C22544A-7EE6-4342-B048-85BDC9FD1C3A}</a:tableStyleId>
-              </a:tblPr>
-              <a:tblGrid>
-                <a:gridCol w="876300">
-                  <a:extLst>
-                    <a:ext uri="{9D8B030D-6E8A-4147-A177-3AD203B41FA5}">
-                      <a16:colId xmlns:a16="http://schemas.microsoft.com/office/drawing/2014/main" val="498346314"/>
-                    </a:ext>
-                  </a:extLst>
-                </a:gridCol>
-                <a:gridCol w="2171700">
-                  <a:extLst>
-                    <a:ext uri="{9D8B030D-6E8A-4147-A177-3AD203B41FA5}">
-                      <a16:colId xmlns:a16="http://schemas.microsoft.com/office/drawing/2014/main" val="376666212"/>
-                    </a:ext>
-                  </a:extLst>
-                </a:gridCol>
-                <a:gridCol w="2185988">
-                  <a:extLst>
-                    <a:ext uri="{9D8B030D-6E8A-4147-A177-3AD203B41FA5}">
-                      <a16:colId xmlns:a16="http://schemas.microsoft.com/office/drawing/2014/main" val="3549887309"/>
-                    </a:ext>
-                  </a:extLst>
-                </a:gridCol>
-              </a:tblGrid>
-              <a:tr h="370840">
-                <a:tc rowSpan="6">
-                  <a:txBody>
-                    <a:bodyPr/>
-                    <a:lstStyle/>
-                    <a:p>
-                      <a:endParaRPr lang="en-US" dirty="0"/>
-                    </a:p>
-                    <a:p>
-                      <a:endParaRPr lang="en-US" dirty="0"/>
-                    </a:p>
-                    <a:p>
-                      <a:endParaRPr lang="en-US" dirty="0"/>
-                    </a:p>
-                    <a:p>
-                      <a:endParaRPr lang="en-US" dirty="0"/>
-                    </a:p>
-                    <a:p>
-                      <a:r>
-                        <a:rPr lang="en-US" dirty="0"/>
-                        <a:t>2006</a:t>
-                      </a:r>
-                    </a:p>
-                  </a:txBody>
-                  <a:tcPr/>
-                </a:tc>
-                <a:tc>
-                  <a:txBody>
-                    <a:bodyPr/>
-                    <a:lstStyle/>
-                    <a:p>
-                      <a:r>
-                        <a:rPr lang="en-US" dirty="0"/>
-                        <a:t>Keywords</a:t>
-                      </a:r>
-                    </a:p>
-                  </a:txBody>
-                  <a:tcPr/>
-                </a:tc>
-                <a:tc>
-                  <a:txBody>
-                    <a:bodyPr/>
-                    <a:lstStyle/>
-                    <a:p>
-                      <a:r>
-                        <a:rPr lang="en-US" dirty="0"/>
-                        <a:t>Sentiment</a:t>
-                      </a:r>
-                    </a:p>
-                  </a:txBody>
-                  <a:tcPr/>
-                </a:tc>
-                <a:extLst>
-                  <a:ext uri="{0D108BD9-81ED-4DB2-BD59-A6C34878D82A}">
-                    <a16:rowId xmlns:a16="http://schemas.microsoft.com/office/drawing/2014/main" val="4007752883"/>
-                  </a:ext>
-                </a:extLst>
-              </a:tr>
-              <a:tr h="370840">
-                <a:tc vMerge="1">
-                  <a:txBody>
-                    <a:bodyPr/>
-                    <a:lstStyle/>
-                    <a:p>
-                      <a:endParaRPr lang="en-US" dirty="0"/>
-                    </a:p>
-                  </a:txBody>
-                  <a:tcPr/>
-                </a:tc>
-                <a:tc>
-                  <a:txBody>
-                    <a:bodyPr/>
-                    <a:lstStyle/>
-                    <a:p>
-                      <a:r>
-                        <a:rPr lang="en-US" dirty="0"/>
-                        <a:t>Economy</a:t>
-                      </a:r>
-                    </a:p>
-                  </a:txBody>
-                  <a:tcPr/>
-                </a:tc>
-                <a:tc>
-                  <a:txBody>
-                    <a:bodyPr/>
-                    <a:lstStyle/>
-                    <a:p>
-                      <a:r>
-                        <a:rPr lang="en-US" dirty="0"/>
-                        <a:t>Positive</a:t>
-                      </a:r>
-                    </a:p>
-                  </a:txBody>
-                  <a:tcPr/>
-                </a:tc>
-                <a:extLst>
-                  <a:ext uri="{0D108BD9-81ED-4DB2-BD59-A6C34878D82A}">
-                    <a16:rowId xmlns:a16="http://schemas.microsoft.com/office/drawing/2014/main" val="459712735"/>
-                  </a:ext>
-                </a:extLst>
-              </a:tr>
-              <a:tr h="370840">
-                <a:tc vMerge="1">
-                  <a:txBody>
-                    <a:bodyPr/>
-                    <a:lstStyle/>
-                    <a:p>
-                      <a:endParaRPr lang="en-US" dirty="0"/>
-                    </a:p>
-                  </a:txBody>
-                  <a:tcPr/>
-                </a:tc>
-                <a:tc>
-                  <a:txBody>
-                    <a:bodyPr/>
-                    <a:lstStyle/>
-                    <a:p>
-                      <a:r>
-                        <a:rPr lang="en-US" dirty="0"/>
-                        <a:t>Credit Market</a:t>
-                      </a:r>
-                    </a:p>
-                  </a:txBody>
-                  <a:tcPr/>
-                </a:tc>
-                <a:tc>
-                  <a:txBody>
-                    <a:bodyPr/>
-                    <a:lstStyle/>
-                    <a:p>
-                      <a:r>
-                        <a:rPr lang="en-US" dirty="0"/>
-                        <a:t>Positive</a:t>
-                      </a:r>
-                    </a:p>
-                  </a:txBody>
-                  <a:tcPr/>
-                </a:tc>
-                <a:extLst>
-                  <a:ext uri="{0D108BD9-81ED-4DB2-BD59-A6C34878D82A}">
-                    <a16:rowId xmlns:a16="http://schemas.microsoft.com/office/drawing/2014/main" val="405707731"/>
-                  </a:ext>
-                </a:extLst>
-              </a:tr>
-              <a:tr h="370840">
-                <a:tc vMerge="1">
-                  <a:txBody>
-                    <a:bodyPr/>
-                    <a:lstStyle/>
-                    <a:p>
-                      <a:endParaRPr lang="en-US" dirty="0"/>
-                    </a:p>
-                  </a:txBody>
-                  <a:tcPr/>
-                </a:tc>
-                <a:tc>
-                  <a:txBody>
-                    <a:bodyPr/>
-                    <a:lstStyle/>
-                    <a:p>
-                      <a:r>
-                        <a:rPr lang="en-US" dirty="0"/>
-                        <a:t>Mortgage-Lending</a:t>
-                      </a:r>
-                    </a:p>
-                  </a:txBody>
-                  <a:tcPr/>
-                </a:tc>
-                <a:tc>
-                  <a:txBody>
-                    <a:bodyPr/>
-                    <a:lstStyle/>
-                    <a:p>
-                      <a:r>
-                        <a:rPr lang="en-US" dirty="0"/>
-                        <a:t>Positive</a:t>
-                      </a:r>
-                    </a:p>
-                  </a:txBody>
-                  <a:tcPr/>
-                </a:tc>
-                <a:extLst>
-                  <a:ext uri="{0D108BD9-81ED-4DB2-BD59-A6C34878D82A}">
-                    <a16:rowId xmlns:a16="http://schemas.microsoft.com/office/drawing/2014/main" val="3595946194"/>
-                  </a:ext>
-                </a:extLst>
-              </a:tr>
-              <a:tr h="370840">
-                <a:tc vMerge="1">
-                  <a:txBody>
-                    <a:bodyPr/>
-                    <a:lstStyle/>
-                    <a:p>
-                      <a:endParaRPr lang="en-US" dirty="0"/>
-                    </a:p>
-                  </a:txBody>
-                  <a:tcPr/>
-                </a:tc>
-                <a:tc>
-                  <a:txBody>
-                    <a:bodyPr/>
-                    <a:lstStyle/>
-                    <a:p>
-                      <a:r>
-                        <a:rPr lang="en-US" dirty="0"/>
-                        <a:t>Housing Market</a:t>
-                      </a:r>
-                    </a:p>
-                  </a:txBody>
-                  <a:tcPr/>
-                </a:tc>
-                <a:tc>
-                  <a:txBody>
-                    <a:bodyPr/>
-                    <a:lstStyle/>
-                    <a:p>
-                      <a:r>
-                        <a:rPr lang="en-US" dirty="0"/>
-                        <a:t>Positive</a:t>
-                      </a:r>
-                    </a:p>
-                  </a:txBody>
-                  <a:tcPr/>
-                </a:tc>
-                <a:extLst>
-                  <a:ext uri="{0D108BD9-81ED-4DB2-BD59-A6C34878D82A}">
-                    <a16:rowId xmlns:a16="http://schemas.microsoft.com/office/drawing/2014/main" val="2954412642"/>
-                  </a:ext>
-                </a:extLst>
-              </a:tr>
-              <a:tr h="370840">
-                <a:tc vMerge="1">
-                  <a:txBody>
-                    <a:bodyPr/>
-                    <a:lstStyle/>
-                    <a:p>
-                      <a:endParaRPr lang="en-US" dirty="0"/>
-                    </a:p>
-                  </a:txBody>
-                  <a:tcPr/>
-                </a:tc>
-                <a:tc>
-                  <a:txBody>
-                    <a:bodyPr/>
-                    <a:lstStyle/>
-                    <a:p>
-                      <a:r>
-                        <a:rPr lang="en-US" dirty="0"/>
-                        <a:t>Bear Sterns</a:t>
-                      </a:r>
-                    </a:p>
-                  </a:txBody>
-                  <a:tcPr/>
-                </a:tc>
-                <a:tc>
-                  <a:txBody>
-                    <a:bodyPr/>
-                    <a:lstStyle/>
-                    <a:p>
-                      <a:r>
-                        <a:rPr lang="en-US" dirty="0"/>
-                        <a:t>Positive</a:t>
-                      </a:r>
-                    </a:p>
-                  </a:txBody>
-                  <a:tcPr/>
-                </a:tc>
-                <a:extLst>
-                  <a:ext uri="{0D108BD9-81ED-4DB2-BD59-A6C34878D82A}">
-                    <a16:rowId xmlns:a16="http://schemas.microsoft.com/office/drawing/2014/main" val="792250461"/>
-                  </a:ext>
-                </a:extLst>
-              </a:tr>
-            </a:tbl>
-          </a:graphicData>
-        </a:graphic>
-      </p:graphicFrame>
-      <p:graphicFrame>
-        <p:nvGraphicFramePr>
-          <p:cNvPr id="6" name="Table 5">
-            <a:extLst>
-              <a:ext uri="{FF2B5EF4-FFF2-40B4-BE49-F238E27FC236}">
-                <a16:creationId xmlns:a16="http://schemas.microsoft.com/office/drawing/2014/main" id="{540DA928-6F9B-344C-A82F-D3D7244E4D4C}"/>
-              </a:ext>
-            </a:extLst>
-          </p:cNvPr>
-          <p:cNvGraphicFramePr>
-            <a:graphicFrameLocks/>
-          </p:cNvGraphicFramePr>
-          <p:nvPr>
-            <p:extLst>
-              <p:ext uri="{D42A27DB-BD31-4B8C-83A1-F6EECF244321}">
-                <p14:modId xmlns:p14="http://schemas.microsoft.com/office/powerpoint/2010/main" val="257066533"/>
-              </p:ext>
-            </p:extLst>
-          </p:nvPr>
-        </p:nvGraphicFramePr>
-        <p:xfrm>
-          <a:off x="452438" y="3655695"/>
-          <a:ext cx="5233988" cy="2219960"/>
-        </p:xfrm>
-        <a:graphic>
-          <a:graphicData uri="http://schemas.openxmlformats.org/drawingml/2006/table">
-            <a:tbl>
-              <a:tblPr firstRow="1" bandRow="1">
-                <a:tableStyleId>{5C22544A-7EE6-4342-B048-85BDC9FD1C3A}</a:tableStyleId>
-              </a:tblPr>
-              <a:tblGrid>
-                <a:gridCol w="876300">
-                  <a:extLst>
-                    <a:ext uri="{9D8B030D-6E8A-4147-A177-3AD203B41FA5}">
-                      <a16:colId xmlns:a16="http://schemas.microsoft.com/office/drawing/2014/main" val="498346314"/>
-                    </a:ext>
-                  </a:extLst>
-                </a:gridCol>
-                <a:gridCol w="2171700">
-                  <a:extLst>
-                    <a:ext uri="{9D8B030D-6E8A-4147-A177-3AD203B41FA5}">
-                      <a16:colId xmlns:a16="http://schemas.microsoft.com/office/drawing/2014/main" val="376666212"/>
-                    </a:ext>
-                  </a:extLst>
-                </a:gridCol>
-                <a:gridCol w="2185988">
-                  <a:extLst>
-                    <a:ext uri="{9D8B030D-6E8A-4147-A177-3AD203B41FA5}">
-                      <a16:colId xmlns:a16="http://schemas.microsoft.com/office/drawing/2014/main" val="3549887309"/>
-                    </a:ext>
-                  </a:extLst>
-                </a:gridCol>
-              </a:tblGrid>
-              <a:tr h="370840">
-                <a:tc rowSpan="6">
-                  <a:txBody>
-                    <a:bodyPr/>
-                    <a:lstStyle/>
-                    <a:p>
-                      <a:endParaRPr lang="en-US" dirty="0"/>
-                    </a:p>
-                    <a:p>
-                      <a:endParaRPr lang="en-US" dirty="0"/>
-                    </a:p>
-                    <a:p>
-                      <a:endParaRPr lang="en-US" dirty="0"/>
-                    </a:p>
-                    <a:p>
-                      <a:endParaRPr lang="en-US" dirty="0"/>
-                    </a:p>
-                    <a:p>
-                      <a:r>
-                        <a:rPr lang="en-US" dirty="0"/>
-                        <a:t>2007</a:t>
-                      </a:r>
-                    </a:p>
-                  </a:txBody>
-                  <a:tcPr/>
-                </a:tc>
-                <a:tc>
-                  <a:txBody>
-                    <a:bodyPr/>
-                    <a:lstStyle/>
-                    <a:p>
-                      <a:r>
-                        <a:rPr lang="en-US" dirty="0"/>
-                        <a:t>Keywords</a:t>
-                      </a:r>
-                    </a:p>
-                  </a:txBody>
-                  <a:tcPr/>
-                </a:tc>
-                <a:tc>
-                  <a:txBody>
-                    <a:bodyPr/>
-                    <a:lstStyle/>
-                    <a:p>
-                      <a:r>
-                        <a:rPr lang="en-US" dirty="0"/>
-                        <a:t>Sentiment</a:t>
-                      </a:r>
-                    </a:p>
-                  </a:txBody>
-                  <a:tcPr/>
-                </a:tc>
-                <a:extLst>
-                  <a:ext uri="{0D108BD9-81ED-4DB2-BD59-A6C34878D82A}">
-                    <a16:rowId xmlns:a16="http://schemas.microsoft.com/office/drawing/2014/main" val="4007752883"/>
-                  </a:ext>
-                </a:extLst>
-              </a:tr>
-              <a:tr h="370840">
-                <a:tc vMerge="1">
-                  <a:txBody>
-                    <a:bodyPr/>
-                    <a:lstStyle/>
-                    <a:p>
-                      <a:endParaRPr lang="en-US" dirty="0"/>
-                    </a:p>
-                  </a:txBody>
-                  <a:tcPr/>
-                </a:tc>
-                <a:tc>
-                  <a:txBody>
-                    <a:bodyPr/>
-                    <a:lstStyle/>
-                    <a:p>
-                      <a:r>
-                        <a:rPr lang="en-US" dirty="0"/>
-                        <a:t>Economy</a:t>
-                      </a:r>
-                    </a:p>
-                  </a:txBody>
-                  <a:tcPr/>
-                </a:tc>
-                <a:tc>
-                  <a:txBody>
-                    <a:bodyPr/>
-                    <a:lstStyle/>
-                    <a:p>
-                      <a:r>
-                        <a:rPr lang="en-US" dirty="0"/>
-                        <a:t>Positive</a:t>
-                      </a:r>
-                    </a:p>
-                  </a:txBody>
-                  <a:tcPr/>
-                </a:tc>
-                <a:extLst>
-                  <a:ext uri="{0D108BD9-81ED-4DB2-BD59-A6C34878D82A}">
-                    <a16:rowId xmlns:a16="http://schemas.microsoft.com/office/drawing/2014/main" val="459712735"/>
-                  </a:ext>
-                </a:extLst>
-              </a:tr>
-              <a:tr h="370840">
-                <a:tc vMerge="1">
-                  <a:txBody>
-                    <a:bodyPr/>
-                    <a:lstStyle/>
-                    <a:p>
-                      <a:endParaRPr lang="en-US" dirty="0"/>
-                    </a:p>
-                  </a:txBody>
-                  <a:tcPr/>
-                </a:tc>
-                <a:tc>
-                  <a:txBody>
-                    <a:bodyPr/>
-                    <a:lstStyle/>
-                    <a:p>
-                      <a:r>
-                        <a:rPr lang="en-US" dirty="0"/>
-                        <a:t>Credit Market</a:t>
-                      </a:r>
-                    </a:p>
-                  </a:txBody>
-                  <a:tcPr/>
-                </a:tc>
-                <a:tc>
-                  <a:txBody>
-                    <a:bodyPr/>
-                    <a:lstStyle/>
-                    <a:p>
-                      <a:r>
-                        <a:rPr lang="en-US" dirty="0"/>
-                        <a:t>Positive</a:t>
-                      </a:r>
-                    </a:p>
-                  </a:txBody>
-                  <a:tcPr/>
-                </a:tc>
-                <a:extLst>
-                  <a:ext uri="{0D108BD9-81ED-4DB2-BD59-A6C34878D82A}">
-                    <a16:rowId xmlns:a16="http://schemas.microsoft.com/office/drawing/2014/main" val="405707731"/>
-                  </a:ext>
-                </a:extLst>
-              </a:tr>
-              <a:tr h="370840">
-                <a:tc vMerge="1">
-                  <a:txBody>
-                    <a:bodyPr/>
-                    <a:lstStyle/>
-                    <a:p>
-                      <a:endParaRPr lang="en-US" dirty="0"/>
-                    </a:p>
-                  </a:txBody>
-                  <a:tcPr/>
-                </a:tc>
-                <a:tc>
-                  <a:txBody>
-                    <a:bodyPr/>
-                    <a:lstStyle/>
-                    <a:p>
-                      <a:r>
-                        <a:rPr lang="en-US" dirty="0"/>
-                        <a:t>Mortgage-Lending</a:t>
-                      </a:r>
-                    </a:p>
-                  </a:txBody>
-                  <a:tcPr/>
-                </a:tc>
-                <a:tc>
-                  <a:txBody>
-                    <a:bodyPr/>
-                    <a:lstStyle/>
-                    <a:p>
-                      <a:pPr marL="0" marR="0" lvl="0" indent="0" algn="l" defTabSz="914400" rtl="0" eaLnBrk="1" fontAlgn="auto" latinLnBrk="0" hangingPunct="1">
-                        <a:lnSpc>
-                          <a:spcPct val="100000"/>
-                        </a:lnSpc>
-                        <a:spcBef>
-                          <a:spcPts val="0"/>
-                        </a:spcBef>
-                        <a:spcAft>
-                          <a:spcPts val="0"/>
-                        </a:spcAft>
-                        <a:buClrTx/>
-                        <a:buSzTx/>
-                        <a:buFontTx/>
-                        <a:buNone/>
-                        <a:tabLst/>
-                        <a:defRPr/>
-                      </a:pPr>
-                      <a:r>
-                        <a:rPr lang="en-US" dirty="0"/>
-                        <a:t>Positive</a:t>
-                      </a:r>
-                    </a:p>
-                  </a:txBody>
-                  <a:tcPr/>
-                </a:tc>
-                <a:extLst>
-                  <a:ext uri="{0D108BD9-81ED-4DB2-BD59-A6C34878D82A}">
-                    <a16:rowId xmlns:a16="http://schemas.microsoft.com/office/drawing/2014/main" val="3595946194"/>
-                  </a:ext>
-                </a:extLst>
-              </a:tr>
-              <a:tr h="370840">
-                <a:tc vMerge="1">
-                  <a:txBody>
-                    <a:bodyPr/>
-                    <a:lstStyle/>
-                    <a:p>
-                      <a:endParaRPr lang="en-US" dirty="0"/>
-                    </a:p>
-                  </a:txBody>
-                  <a:tcPr/>
-                </a:tc>
-                <a:tc>
-                  <a:txBody>
-                    <a:bodyPr/>
-                    <a:lstStyle/>
-                    <a:p>
-                      <a:r>
-                        <a:rPr lang="en-US" dirty="0"/>
-                        <a:t>Housing Market</a:t>
-                      </a:r>
-                    </a:p>
-                  </a:txBody>
-                  <a:tcPr/>
-                </a:tc>
-                <a:tc>
-                  <a:txBody>
-                    <a:bodyPr/>
-                    <a:lstStyle/>
-                    <a:p>
-                      <a:pPr marL="0" marR="0" lvl="0" indent="0" algn="l" defTabSz="914400" rtl="0" eaLnBrk="1" fontAlgn="auto" latinLnBrk="0" hangingPunct="1">
-                        <a:lnSpc>
-                          <a:spcPct val="100000"/>
-                        </a:lnSpc>
-                        <a:spcBef>
-                          <a:spcPts val="0"/>
-                        </a:spcBef>
-                        <a:spcAft>
-                          <a:spcPts val="0"/>
-                        </a:spcAft>
-                        <a:buClrTx/>
-                        <a:buSzTx/>
-                        <a:buFontTx/>
-                        <a:buNone/>
-                        <a:tabLst/>
-                        <a:defRPr/>
-                      </a:pPr>
-                      <a:r>
-                        <a:rPr lang="en-US" dirty="0"/>
-                        <a:t>Positive</a:t>
-                      </a:r>
-                    </a:p>
-                  </a:txBody>
-                  <a:tcPr/>
-                </a:tc>
-                <a:extLst>
-                  <a:ext uri="{0D108BD9-81ED-4DB2-BD59-A6C34878D82A}">
-                    <a16:rowId xmlns:a16="http://schemas.microsoft.com/office/drawing/2014/main" val="2954412642"/>
-                  </a:ext>
-                </a:extLst>
-              </a:tr>
-              <a:tr h="233680">
-                <a:tc vMerge="1">
-                  <a:txBody>
-                    <a:bodyPr/>
-                    <a:lstStyle/>
-                    <a:p>
-                      <a:endParaRPr lang="en-US" dirty="0"/>
-                    </a:p>
-                  </a:txBody>
-                  <a:tcPr/>
-                </a:tc>
-                <a:tc>
-                  <a:txBody>
-                    <a:bodyPr/>
-                    <a:lstStyle/>
-                    <a:p>
-                      <a:r>
-                        <a:rPr lang="en-US" dirty="0"/>
-                        <a:t>Bear Sterns</a:t>
-                      </a:r>
-                    </a:p>
-                  </a:txBody>
-                  <a:tcPr/>
-                </a:tc>
-                <a:tc>
-                  <a:txBody>
-                    <a:bodyPr/>
-                    <a:lstStyle/>
-                    <a:p>
-                      <a:r>
-                        <a:rPr lang="en-US" dirty="0"/>
-                        <a:t>Positive</a:t>
-                      </a:r>
-                    </a:p>
-                  </a:txBody>
-                  <a:tcPr/>
-                </a:tc>
-                <a:extLst>
-                  <a:ext uri="{0D108BD9-81ED-4DB2-BD59-A6C34878D82A}">
-                    <a16:rowId xmlns:a16="http://schemas.microsoft.com/office/drawing/2014/main" val="792250461"/>
-                  </a:ext>
-                </a:extLst>
-              </a:tr>
-            </a:tbl>
-          </a:graphicData>
-        </a:graphic>
-      </p:graphicFrame>
-      <p:graphicFrame>
-        <p:nvGraphicFramePr>
-          <p:cNvPr id="7" name="Table 5">
-            <a:extLst>
-              <a:ext uri="{FF2B5EF4-FFF2-40B4-BE49-F238E27FC236}">
-                <a16:creationId xmlns:a16="http://schemas.microsoft.com/office/drawing/2014/main" id="{A28B0355-A85E-2C4A-83CD-3F7368F11507}"/>
-              </a:ext>
-            </a:extLst>
-          </p:cNvPr>
-          <p:cNvGraphicFramePr>
-            <a:graphicFrameLocks/>
-          </p:cNvGraphicFramePr>
-          <p:nvPr>
-            <p:extLst>
-              <p:ext uri="{D42A27DB-BD31-4B8C-83A1-F6EECF244321}">
-                <p14:modId xmlns:p14="http://schemas.microsoft.com/office/powerpoint/2010/main" val="1489352018"/>
-              </p:ext>
-            </p:extLst>
-          </p:nvPr>
-        </p:nvGraphicFramePr>
-        <p:xfrm>
-          <a:off x="5686426" y="1454150"/>
-          <a:ext cx="5233988" cy="2225040"/>
-        </p:xfrm>
-        <a:graphic>
-          <a:graphicData uri="http://schemas.openxmlformats.org/drawingml/2006/table">
-            <a:tbl>
-              <a:tblPr firstRow="1" bandRow="1">
-                <a:tableStyleId>{5C22544A-7EE6-4342-B048-85BDC9FD1C3A}</a:tableStyleId>
-              </a:tblPr>
-              <a:tblGrid>
-                <a:gridCol w="876300">
-                  <a:extLst>
-                    <a:ext uri="{9D8B030D-6E8A-4147-A177-3AD203B41FA5}">
-                      <a16:colId xmlns:a16="http://schemas.microsoft.com/office/drawing/2014/main" val="498346314"/>
-                    </a:ext>
-                  </a:extLst>
-                </a:gridCol>
-                <a:gridCol w="2171700">
-                  <a:extLst>
-                    <a:ext uri="{9D8B030D-6E8A-4147-A177-3AD203B41FA5}">
-                      <a16:colId xmlns:a16="http://schemas.microsoft.com/office/drawing/2014/main" val="376666212"/>
-                    </a:ext>
-                  </a:extLst>
-                </a:gridCol>
-                <a:gridCol w="2185988">
-                  <a:extLst>
-                    <a:ext uri="{9D8B030D-6E8A-4147-A177-3AD203B41FA5}">
-                      <a16:colId xmlns:a16="http://schemas.microsoft.com/office/drawing/2014/main" val="3549887309"/>
-                    </a:ext>
-                  </a:extLst>
-                </a:gridCol>
-              </a:tblGrid>
-              <a:tr h="370840">
-                <a:tc rowSpan="6">
-                  <a:txBody>
-                    <a:bodyPr/>
-                    <a:lstStyle/>
-                    <a:p>
-                      <a:endParaRPr lang="en-US" dirty="0"/>
-                    </a:p>
-                    <a:p>
-                      <a:endParaRPr lang="en-US" dirty="0"/>
-                    </a:p>
-                    <a:p>
-                      <a:endParaRPr lang="en-US" dirty="0"/>
-                    </a:p>
-                    <a:p>
-                      <a:endParaRPr lang="en-US" dirty="0"/>
-                    </a:p>
-                    <a:p>
-                      <a:r>
-                        <a:rPr lang="en-US" dirty="0"/>
-                        <a:t>2008</a:t>
-                      </a:r>
-                    </a:p>
-                  </a:txBody>
-                  <a:tcPr/>
-                </a:tc>
-                <a:tc>
-                  <a:txBody>
-                    <a:bodyPr/>
-                    <a:lstStyle/>
-                    <a:p>
-                      <a:r>
-                        <a:rPr lang="en-US" dirty="0"/>
-                        <a:t>Keywords</a:t>
-                      </a:r>
-                    </a:p>
-                  </a:txBody>
-                  <a:tcPr/>
-                </a:tc>
-                <a:tc>
-                  <a:txBody>
-                    <a:bodyPr/>
-                    <a:lstStyle/>
-                    <a:p>
-                      <a:r>
-                        <a:rPr lang="en-US" dirty="0"/>
-                        <a:t>Sentiment</a:t>
-                      </a:r>
-                    </a:p>
-                  </a:txBody>
-                  <a:tcPr/>
-                </a:tc>
-                <a:extLst>
-                  <a:ext uri="{0D108BD9-81ED-4DB2-BD59-A6C34878D82A}">
-                    <a16:rowId xmlns:a16="http://schemas.microsoft.com/office/drawing/2014/main" val="4007752883"/>
-                  </a:ext>
-                </a:extLst>
-              </a:tr>
-              <a:tr h="370840">
-                <a:tc vMerge="1">
-                  <a:txBody>
-                    <a:bodyPr/>
-                    <a:lstStyle/>
-                    <a:p>
-                      <a:endParaRPr lang="en-US" dirty="0"/>
-                    </a:p>
-                  </a:txBody>
-                  <a:tcPr/>
-                </a:tc>
-                <a:tc>
-                  <a:txBody>
-                    <a:bodyPr/>
-                    <a:lstStyle/>
-                    <a:p>
-                      <a:r>
-                        <a:rPr lang="en-US" dirty="0"/>
-                        <a:t>Economy</a:t>
-                      </a:r>
-                    </a:p>
-                  </a:txBody>
-                  <a:tcPr/>
-                </a:tc>
-                <a:tc>
-                  <a:txBody>
-                    <a:bodyPr/>
-                    <a:lstStyle/>
-                    <a:p>
-                      <a:r>
-                        <a:rPr lang="en-US" dirty="0"/>
-                        <a:t>Negative</a:t>
-                      </a:r>
-                    </a:p>
-                  </a:txBody>
-                  <a:tcPr/>
-                </a:tc>
-                <a:extLst>
-                  <a:ext uri="{0D108BD9-81ED-4DB2-BD59-A6C34878D82A}">
-                    <a16:rowId xmlns:a16="http://schemas.microsoft.com/office/drawing/2014/main" val="459712735"/>
-                  </a:ext>
-                </a:extLst>
-              </a:tr>
-              <a:tr h="370840">
-                <a:tc vMerge="1">
-                  <a:txBody>
-                    <a:bodyPr/>
-                    <a:lstStyle/>
-                    <a:p>
-                      <a:endParaRPr lang="en-US" dirty="0"/>
-                    </a:p>
-                  </a:txBody>
-                  <a:tcPr/>
-                </a:tc>
-                <a:tc>
-                  <a:txBody>
-                    <a:bodyPr/>
-                    <a:lstStyle/>
-                    <a:p>
-                      <a:r>
-                        <a:rPr lang="en-US" dirty="0"/>
-                        <a:t>Credit Market</a:t>
-                      </a:r>
-                    </a:p>
-                  </a:txBody>
-                  <a:tcPr/>
-                </a:tc>
-                <a:tc>
-                  <a:txBody>
-                    <a:bodyPr/>
-                    <a:lstStyle/>
-                    <a:p>
-                      <a:pPr marL="0" marR="0" lvl="0" indent="0" algn="l" defTabSz="914400" rtl="0" eaLnBrk="1" fontAlgn="auto" latinLnBrk="0" hangingPunct="1">
-                        <a:lnSpc>
-                          <a:spcPct val="100000"/>
-                        </a:lnSpc>
-                        <a:spcBef>
-                          <a:spcPts val="0"/>
-                        </a:spcBef>
-                        <a:spcAft>
-                          <a:spcPts val="0"/>
-                        </a:spcAft>
-                        <a:buClrTx/>
-                        <a:buSzTx/>
-                        <a:buFontTx/>
-                        <a:buNone/>
-                        <a:tabLst/>
-                        <a:defRPr/>
-                      </a:pPr>
-                      <a:r>
-                        <a:rPr lang="en-US" dirty="0"/>
-                        <a:t>Negative</a:t>
-                      </a:r>
-                    </a:p>
-                  </a:txBody>
-                  <a:tcPr/>
-                </a:tc>
-                <a:extLst>
-                  <a:ext uri="{0D108BD9-81ED-4DB2-BD59-A6C34878D82A}">
-                    <a16:rowId xmlns:a16="http://schemas.microsoft.com/office/drawing/2014/main" val="405707731"/>
-                  </a:ext>
-                </a:extLst>
-              </a:tr>
-              <a:tr h="370840">
-                <a:tc vMerge="1">
-                  <a:txBody>
-                    <a:bodyPr/>
-                    <a:lstStyle/>
-                    <a:p>
-                      <a:endParaRPr lang="en-US" dirty="0"/>
-                    </a:p>
-                  </a:txBody>
-                  <a:tcPr/>
-                </a:tc>
-                <a:tc>
-                  <a:txBody>
-                    <a:bodyPr/>
-                    <a:lstStyle/>
-                    <a:p>
-                      <a:r>
-                        <a:rPr lang="en-US" dirty="0"/>
-                        <a:t>Mortgage-Lending</a:t>
-                      </a:r>
-                    </a:p>
-                  </a:txBody>
-                  <a:tcPr/>
-                </a:tc>
-                <a:tc>
-                  <a:txBody>
-                    <a:bodyPr/>
-                    <a:lstStyle/>
-                    <a:p>
-                      <a:pPr marL="0" marR="0" lvl="0" indent="0" algn="l" defTabSz="914400" rtl="0" eaLnBrk="1" fontAlgn="auto" latinLnBrk="0" hangingPunct="1">
-                        <a:lnSpc>
-                          <a:spcPct val="100000"/>
-                        </a:lnSpc>
-                        <a:spcBef>
-                          <a:spcPts val="0"/>
-                        </a:spcBef>
-                        <a:spcAft>
-                          <a:spcPts val="0"/>
-                        </a:spcAft>
-                        <a:buClrTx/>
-                        <a:buSzTx/>
-                        <a:buFontTx/>
-                        <a:buNone/>
-                        <a:tabLst/>
-                        <a:defRPr/>
-                      </a:pPr>
-                      <a:r>
-                        <a:rPr lang="en-US" dirty="0"/>
-                        <a:t>Negative</a:t>
-                      </a:r>
-                    </a:p>
-                  </a:txBody>
-                  <a:tcPr/>
-                </a:tc>
-                <a:extLst>
-                  <a:ext uri="{0D108BD9-81ED-4DB2-BD59-A6C34878D82A}">
-                    <a16:rowId xmlns:a16="http://schemas.microsoft.com/office/drawing/2014/main" val="3595946194"/>
-                  </a:ext>
-                </a:extLst>
-              </a:tr>
-              <a:tr h="370840">
-                <a:tc vMerge="1">
-                  <a:txBody>
-                    <a:bodyPr/>
-                    <a:lstStyle/>
-                    <a:p>
-                      <a:endParaRPr lang="en-US" dirty="0"/>
-                    </a:p>
-                  </a:txBody>
-                  <a:tcPr/>
-                </a:tc>
-                <a:tc>
-                  <a:txBody>
-                    <a:bodyPr/>
-                    <a:lstStyle/>
-                    <a:p>
-                      <a:r>
-                        <a:rPr lang="en-US" dirty="0"/>
-                        <a:t>Housing Market</a:t>
-                      </a:r>
-                    </a:p>
-                  </a:txBody>
-                  <a:tcPr/>
-                </a:tc>
-                <a:tc>
-                  <a:txBody>
-                    <a:bodyPr/>
-                    <a:lstStyle/>
-                    <a:p>
-                      <a:pPr marL="0" marR="0" lvl="0" indent="0" algn="l" defTabSz="914400" rtl="0" eaLnBrk="1" fontAlgn="auto" latinLnBrk="0" hangingPunct="1">
-                        <a:lnSpc>
-                          <a:spcPct val="100000"/>
-                        </a:lnSpc>
-                        <a:spcBef>
-                          <a:spcPts val="0"/>
-                        </a:spcBef>
-                        <a:spcAft>
-                          <a:spcPts val="0"/>
-                        </a:spcAft>
-                        <a:buClrTx/>
-                        <a:buSzTx/>
-                        <a:buFontTx/>
-                        <a:buNone/>
-                        <a:tabLst/>
-                        <a:defRPr/>
-                      </a:pPr>
-                      <a:r>
-                        <a:rPr lang="en-US" dirty="0"/>
-                        <a:t>Negative</a:t>
-                      </a:r>
-                    </a:p>
-                  </a:txBody>
-                  <a:tcPr/>
-                </a:tc>
-                <a:extLst>
-                  <a:ext uri="{0D108BD9-81ED-4DB2-BD59-A6C34878D82A}">
-                    <a16:rowId xmlns:a16="http://schemas.microsoft.com/office/drawing/2014/main" val="2954412642"/>
-                  </a:ext>
-                </a:extLst>
-              </a:tr>
-              <a:tr h="370840">
-                <a:tc vMerge="1">
-                  <a:txBody>
-                    <a:bodyPr/>
-                    <a:lstStyle/>
-                    <a:p>
-                      <a:endParaRPr lang="en-US" dirty="0"/>
-                    </a:p>
-                  </a:txBody>
-                  <a:tcPr/>
-                </a:tc>
-                <a:tc>
-                  <a:txBody>
-                    <a:bodyPr/>
-                    <a:lstStyle/>
-                    <a:p>
-                      <a:r>
-                        <a:rPr lang="en-US" dirty="0"/>
-                        <a:t>Bear Sterns</a:t>
-                      </a:r>
-                    </a:p>
-                  </a:txBody>
-                  <a:tcPr/>
-                </a:tc>
-                <a:tc>
-                  <a:txBody>
-                    <a:bodyPr/>
-                    <a:lstStyle/>
-                    <a:p>
-                      <a:r>
-                        <a:rPr lang="en-US" dirty="0"/>
-                        <a:t>Negative</a:t>
-                      </a:r>
-                    </a:p>
-                  </a:txBody>
-                  <a:tcPr/>
-                </a:tc>
-                <a:extLst>
-                  <a:ext uri="{0D108BD9-81ED-4DB2-BD59-A6C34878D82A}">
-                    <a16:rowId xmlns:a16="http://schemas.microsoft.com/office/drawing/2014/main" val="792250461"/>
-                  </a:ext>
-                </a:extLst>
-              </a:tr>
-            </a:tbl>
-          </a:graphicData>
-        </a:graphic>
-      </p:graphicFrame>
-      <p:graphicFrame>
-        <p:nvGraphicFramePr>
-          <p:cNvPr id="8" name="Table 5">
-            <a:extLst>
-              <a:ext uri="{FF2B5EF4-FFF2-40B4-BE49-F238E27FC236}">
-                <a16:creationId xmlns:a16="http://schemas.microsoft.com/office/drawing/2014/main" id="{D575B961-CAE4-D54C-AECD-83AD850AFA22}"/>
-              </a:ext>
-            </a:extLst>
-          </p:cNvPr>
-          <p:cNvGraphicFramePr>
-            <a:graphicFrameLocks/>
-          </p:cNvGraphicFramePr>
-          <p:nvPr>
-            <p:extLst>
-              <p:ext uri="{D42A27DB-BD31-4B8C-83A1-F6EECF244321}">
-                <p14:modId xmlns:p14="http://schemas.microsoft.com/office/powerpoint/2010/main" val="1419113471"/>
-              </p:ext>
-            </p:extLst>
-          </p:nvPr>
-        </p:nvGraphicFramePr>
-        <p:xfrm>
-          <a:off x="5686426" y="3667443"/>
-          <a:ext cx="5233988" cy="2225040"/>
-        </p:xfrm>
-        <a:graphic>
-          <a:graphicData uri="http://schemas.openxmlformats.org/drawingml/2006/table">
-            <a:tbl>
-              <a:tblPr firstRow="1" bandRow="1">
-                <a:tableStyleId>{5C22544A-7EE6-4342-B048-85BDC9FD1C3A}</a:tableStyleId>
-              </a:tblPr>
-              <a:tblGrid>
-                <a:gridCol w="876300">
-                  <a:extLst>
-                    <a:ext uri="{9D8B030D-6E8A-4147-A177-3AD203B41FA5}">
-                      <a16:colId xmlns:a16="http://schemas.microsoft.com/office/drawing/2014/main" val="498346314"/>
-                    </a:ext>
-                  </a:extLst>
-                </a:gridCol>
-                <a:gridCol w="2171700">
-                  <a:extLst>
-                    <a:ext uri="{9D8B030D-6E8A-4147-A177-3AD203B41FA5}">
-                      <a16:colId xmlns:a16="http://schemas.microsoft.com/office/drawing/2014/main" val="376666212"/>
-                    </a:ext>
-                  </a:extLst>
-                </a:gridCol>
-                <a:gridCol w="2185988">
-                  <a:extLst>
-                    <a:ext uri="{9D8B030D-6E8A-4147-A177-3AD203B41FA5}">
-                      <a16:colId xmlns:a16="http://schemas.microsoft.com/office/drawing/2014/main" val="3549887309"/>
-                    </a:ext>
-                  </a:extLst>
-                </a:gridCol>
-              </a:tblGrid>
-              <a:tr h="370840">
-                <a:tc rowSpan="6">
-                  <a:txBody>
-                    <a:bodyPr/>
-                    <a:lstStyle/>
-                    <a:p>
-                      <a:endParaRPr lang="en-US" dirty="0"/>
-                    </a:p>
-                    <a:p>
-                      <a:endParaRPr lang="en-US" dirty="0"/>
-                    </a:p>
-                    <a:p>
-                      <a:endParaRPr lang="en-US" dirty="0"/>
-                    </a:p>
-                    <a:p>
-                      <a:endParaRPr lang="en-US" dirty="0"/>
-                    </a:p>
-                    <a:p>
-                      <a:r>
-                        <a:rPr lang="en-US" dirty="0"/>
-                        <a:t>2009</a:t>
-                      </a:r>
-                    </a:p>
-                  </a:txBody>
-                  <a:tcPr/>
-                </a:tc>
-                <a:tc>
-                  <a:txBody>
-                    <a:bodyPr/>
-                    <a:lstStyle/>
-                    <a:p>
-                      <a:r>
-                        <a:rPr lang="en-US" dirty="0"/>
-                        <a:t>Keywords</a:t>
-                      </a:r>
-                    </a:p>
-                  </a:txBody>
-                  <a:tcPr/>
-                </a:tc>
-                <a:tc>
-                  <a:txBody>
-                    <a:bodyPr/>
-                    <a:lstStyle/>
-                    <a:p>
-                      <a:r>
-                        <a:rPr lang="en-US" dirty="0"/>
-                        <a:t>Sentiment</a:t>
-                      </a:r>
-                    </a:p>
-                  </a:txBody>
-                  <a:tcPr/>
-                </a:tc>
-                <a:extLst>
-                  <a:ext uri="{0D108BD9-81ED-4DB2-BD59-A6C34878D82A}">
-                    <a16:rowId xmlns:a16="http://schemas.microsoft.com/office/drawing/2014/main" val="4007752883"/>
-                  </a:ext>
-                </a:extLst>
-              </a:tr>
-              <a:tr h="370840">
-                <a:tc vMerge="1">
-                  <a:txBody>
-                    <a:bodyPr/>
-                    <a:lstStyle/>
-                    <a:p>
-                      <a:endParaRPr lang="en-US" dirty="0"/>
-                    </a:p>
-                  </a:txBody>
-                  <a:tcPr/>
-                </a:tc>
-                <a:tc>
-                  <a:txBody>
-                    <a:bodyPr/>
-                    <a:lstStyle/>
-                    <a:p>
-                      <a:r>
-                        <a:rPr lang="en-US" dirty="0"/>
-                        <a:t>Economy</a:t>
-                      </a:r>
-                    </a:p>
-                  </a:txBody>
-                  <a:tcPr/>
-                </a:tc>
-                <a:tc>
-                  <a:txBody>
-                    <a:bodyPr/>
-                    <a:lstStyle/>
-                    <a:p>
-                      <a:r>
-                        <a:rPr lang="en-US" dirty="0"/>
-                        <a:t>Negative</a:t>
-                      </a:r>
-                    </a:p>
-                  </a:txBody>
-                  <a:tcPr/>
-                </a:tc>
-                <a:extLst>
-                  <a:ext uri="{0D108BD9-81ED-4DB2-BD59-A6C34878D82A}">
-                    <a16:rowId xmlns:a16="http://schemas.microsoft.com/office/drawing/2014/main" val="459712735"/>
-                  </a:ext>
-                </a:extLst>
-              </a:tr>
-              <a:tr h="370840">
-                <a:tc vMerge="1">
-                  <a:txBody>
-                    <a:bodyPr/>
-                    <a:lstStyle/>
-                    <a:p>
-                      <a:endParaRPr lang="en-US" dirty="0"/>
-                    </a:p>
-                  </a:txBody>
-                  <a:tcPr/>
-                </a:tc>
-                <a:tc>
-                  <a:txBody>
-                    <a:bodyPr/>
-                    <a:lstStyle/>
-                    <a:p>
-                      <a:r>
-                        <a:rPr lang="en-US" dirty="0"/>
-                        <a:t>Credit Market</a:t>
-                      </a:r>
-                    </a:p>
-                  </a:txBody>
-                  <a:tcPr/>
-                </a:tc>
-                <a:tc>
-                  <a:txBody>
-                    <a:bodyPr/>
-                    <a:lstStyle/>
-                    <a:p>
-                      <a:r>
-                        <a:rPr lang="en-US" dirty="0"/>
-                        <a:t>Negative</a:t>
-                      </a:r>
-                    </a:p>
-                  </a:txBody>
-                  <a:tcPr/>
-                </a:tc>
-                <a:extLst>
-                  <a:ext uri="{0D108BD9-81ED-4DB2-BD59-A6C34878D82A}">
-                    <a16:rowId xmlns:a16="http://schemas.microsoft.com/office/drawing/2014/main" val="405707731"/>
-                  </a:ext>
-                </a:extLst>
-              </a:tr>
-              <a:tr h="370840">
-                <a:tc vMerge="1">
-                  <a:txBody>
-                    <a:bodyPr/>
-                    <a:lstStyle/>
-                    <a:p>
-                      <a:endParaRPr lang="en-US" dirty="0"/>
-                    </a:p>
-                  </a:txBody>
-                  <a:tcPr/>
-                </a:tc>
-                <a:tc>
-                  <a:txBody>
-                    <a:bodyPr/>
-                    <a:lstStyle/>
-                    <a:p>
-                      <a:r>
-                        <a:rPr lang="en-US" dirty="0"/>
-                        <a:t>Mortgage-Lending</a:t>
-                      </a:r>
-                    </a:p>
-                  </a:txBody>
-                  <a:tcPr/>
-                </a:tc>
-                <a:tc>
-                  <a:txBody>
-                    <a:bodyPr/>
-                    <a:lstStyle/>
-                    <a:p>
-                      <a:r>
-                        <a:rPr lang="en-US" dirty="0"/>
-                        <a:t>Negative</a:t>
-                      </a:r>
-                    </a:p>
-                  </a:txBody>
-                  <a:tcPr/>
-                </a:tc>
-                <a:extLst>
-                  <a:ext uri="{0D108BD9-81ED-4DB2-BD59-A6C34878D82A}">
-                    <a16:rowId xmlns:a16="http://schemas.microsoft.com/office/drawing/2014/main" val="3595946194"/>
-                  </a:ext>
-                </a:extLst>
-              </a:tr>
-              <a:tr h="370840">
-                <a:tc vMerge="1">
-                  <a:txBody>
-                    <a:bodyPr/>
-                    <a:lstStyle/>
-                    <a:p>
-                      <a:endParaRPr lang="en-US" dirty="0"/>
-                    </a:p>
-                  </a:txBody>
-                  <a:tcPr/>
-                </a:tc>
-                <a:tc>
-                  <a:txBody>
-                    <a:bodyPr/>
-                    <a:lstStyle/>
-                    <a:p>
-                      <a:r>
-                        <a:rPr lang="en-US" dirty="0"/>
-                        <a:t>Housing Market</a:t>
-                      </a:r>
-                    </a:p>
-                  </a:txBody>
-                  <a:tcPr/>
-                </a:tc>
-                <a:tc>
-                  <a:txBody>
-                    <a:bodyPr/>
-                    <a:lstStyle/>
-                    <a:p>
-                      <a:r>
-                        <a:rPr lang="en-US" dirty="0"/>
-                        <a:t>Negative</a:t>
-                      </a:r>
-                    </a:p>
-                  </a:txBody>
-                  <a:tcPr/>
-                </a:tc>
-                <a:extLst>
-                  <a:ext uri="{0D108BD9-81ED-4DB2-BD59-A6C34878D82A}">
-                    <a16:rowId xmlns:a16="http://schemas.microsoft.com/office/drawing/2014/main" val="2954412642"/>
-                  </a:ext>
-                </a:extLst>
-              </a:tr>
-              <a:tr h="370840">
-                <a:tc vMerge="1">
-                  <a:txBody>
-                    <a:bodyPr/>
-                    <a:lstStyle/>
-                    <a:p>
-                      <a:endParaRPr lang="en-US" dirty="0"/>
-                    </a:p>
-                  </a:txBody>
-                  <a:tcPr/>
-                </a:tc>
-                <a:tc>
-                  <a:txBody>
-                    <a:bodyPr/>
-                    <a:lstStyle/>
-                    <a:p>
-                      <a:r>
-                        <a:rPr lang="en-US" dirty="0"/>
-                        <a:t>Bear Sterns</a:t>
-                      </a:r>
-                    </a:p>
-                  </a:txBody>
-                  <a:tcPr/>
-                </a:tc>
-                <a:tc>
-                  <a:txBody>
-                    <a:bodyPr/>
-                    <a:lstStyle/>
-                    <a:p>
-                      <a:r>
-                        <a:rPr lang="en-US" dirty="0"/>
-                        <a:t>Negative</a:t>
-                      </a:r>
-                    </a:p>
-                  </a:txBody>
-                  <a:tcPr/>
-                </a:tc>
-                <a:extLst>
-                  <a:ext uri="{0D108BD9-81ED-4DB2-BD59-A6C34878D82A}">
-                    <a16:rowId xmlns:a16="http://schemas.microsoft.com/office/drawing/2014/main" val="792250461"/>
-                  </a:ext>
-                </a:extLst>
-              </a:tr>
-            </a:tbl>
-          </a:graphicData>
-        </a:graphic>
-      </p:graphicFrame>
-    </p:spTree>
-    <p:extLst>
-      <p:ext uri="{BB962C8B-B14F-4D97-AF65-F5344CB8AC3E}">
-        <p14:creationId xmlns:p14="http://schemas.microsoft.com/office/powerpoint/2010/main" val="1729748955"/>
       </p:ext>
     </p:extLst>
   </p:cSld>
